--- a/basics/fig/fig.pptx
+++ b/basics/fig/fig.pptx
@@ -7,6 +7,7 @@
   <p:sldIdLst>
     <p:sldId id="256" r:id="rId2"/>
     <p:sldId id="257" r:id="rId3"/>
+    <p:sldId id="258" r:id="rId4"/>
   </p:sldIdLst>
   <p:sldSz cx="9144000" cy="6858000" type="screen4x3"/>
   <p:notesSz cx="6858000" cy="9144000"/>
@@ -3534,7 +3535,7 @@
         </p:nvSpPr>
         <p:spPr>
           <a:xfrm>
-            <a:off x="3563888" y="6381328"/>
+            <a:off x="1763688" y="6237312"/>
             <a:ext cx="5040560" cy="369332"/>
           </a:xfrm>
           <a:prstGeom prst="rect">
@@ -5109,6 +5110,3234 @@
     <p:extLst>
       <p:ext uri="{BB962C8B-B14F-4D97-AF65-F5344CB8AC3E}">
         <p14:creationId xmlns:p14="http://schemas.microsoft.com/office/powerpoint/2010/main" val="2117482405"/>
+      </p:ext>
+    </p:extLst>
+  </p:cSld>
+  <p:clrMapOvr>
+    <a:masterClrMapping/>
+  </p:clrMapOvr>
+</p:sld>
+</file>
+
+<file path=ppt/slides/slide3.xml><?xml version="1.0" encoding="utf-8"?>
+<p:sld xmlns:a="http://schemas.openxmlformats.org/drawingml/2006/main" xmlns:r="http://schemas.openxmlformats.org/officeDocument/2006/relationships" xmlns:p="http://schemas.openxmlformats.org/presentationml/2006/main">
+  <p:cSld>
+    <p:spTree>
+      <p:nvGrpSpPr>
+        <p:cNvPr id="1" name=""/>
+        <p:cNvGrpSpPr/>
+        <p:nvPr/>
+      </p:nvGrpSpPr>
+      <p:grpSpPr>
+        <a:xfrm>
+          <a:off x="0" y="0"/>
+          <a:ext cx="0" cy="0"/>
+          <a:chOff x="0" y="0"/>
+          <a:chExt cx="0" cy="0"/>
+        </a:xfrm>
+      </p:grpSpPr>
+      <p:cxnSp>
+        <p:nvCxnSpPr>
+          <p:cNvPr id="2" name="直線コネクタ 1">
+            <a:extLst>
+              <a:ext uri="{FF2B5EF4-FFF2-40B4-BE49-F238E27FC236}">
+                <a16:creationId xmlns:a16="http://schemas.microsoft.com/office/drawing/2014/main" id="{72101266-EC2C-47D2-8DB8-0B31B1074720}"/>
+              </a:ext>
+            </a:extLst>
+          </p:cNvPr>
+          <p:cNvCxnSpPr/>
+          <p:nvPr/>
+        </p:nvCxnSpPr>
+        <p:spPr>
+          <a:xfrm>
+            <a:off x="3635896" y="908720"/>
+            <a:ext cx="0" cy="1656184"/>
+          </a:xfrm>
+          <a:prstGeom prst="line">
+            <a:avLst/>
+          </a:prstGeom>
+          <a:ln>
+            <a:solidFill>
+              <a:schemeClr val="tx1"/>
+            </a:solidFill>
+            <a:headEnd type="none" w="med" len="med"/>
+            <a:tailEnd type="none" w="med" len="med"/>
+          </a:ln>
+        </p:spPr>
+        <p:style>
+          <a:lnRef idx="1">
+            <a:schemeClr val="accent1"/>
+          </a:lnRef>
+          <a:fillRef idx="0">
+            <a:schemeClr val="accent1"/>
+          </a:fillRef>
+          <a:effectRef idx="0">
+            <a:schemeClr val="accent1"/>
+          </a:effectRef>
+          <a:fontRef idx="minor">
+            <a:schemeClr val="tx1"/>
+          </a:fontRef>
+        </p:style>
+      </p:cxnSp>
+      <p:cxnSp>
+        <p:nvCxnSpPr>
+          <p:cNvPr id="3" name="直線コネクタ 2">
+            <a:extLst>
+              <a:ext uri="{FF2B5EF4-FFF2-40B4-BE49-F238E27FC236}">
+                <a16:creationId xmlns:a16="http://schemas.microsoft.com/office/drawing/2014/main" id="{952CF06B-195F-4650-8E05-D17A2E2D40FA}"/>
+              </a:ext>
+            </a:extLst>
+          </p:cNvPr>
+          <p:cNvCxnSpPr/>
+          <p:nvPr/>
+        </p:nvCxnSpPr>
+        <p:spPr>
+          <a:xfrm>
+            <a:off x="5580112" y="908720"/>
+            <a:ext cx="0" cy="1656184"/>
+          </a:xfrm>
+          <a:prstGeom prst="line">
+            <a:avLst/>
+          </a:prstGeom>
+          <a:ln>
+            <a:solidFill>
+              <a:schemeClr val="tx1"/>
+            </a:solidFill>
+            <a:headEnd type="none" w="med" len="med"/>
+            <a:tailEnd type="none" w="med" len="med"/>
+          </a:ln>
+        </p:spPr>
+        <p:style>
+          <a:lnRef idx="1">
+            <a:schemeClr val="accent1"/>
+          </a:lnRef>
+          <a:fillRef idx="0">
+            <a:schemeClr val="accent1"/>
+          </a:fillRef>
+          <a:effectRef idx="0">
+            <a:schemeClr val="accent1"/>
+          </a:effectRef>
+          <a:fontRef idx="minor">
+            <a:schemeClr val="tx1"/>
+          </a:fontRef>
+        </p:style>
+      </p:cxnSp>
+      <p:pic>
+        <p:nvPicPr>
+          <p:cNvPr id="4" name="Picture 2" descr="フォルダのイラスト">
+            <a:extLst>
+              <a:ext uri="{FF2B5EF4-FFF2-40B4-BE49-F238E27FC236}">
+                <a16:creationId xmlns:a16="http://schemas.microsoft.com/office/drawing/2014/main" id="{CBD75838-A606-4E3D-BE0F-561F0A4A2481}"/>
+              </a:ext>
+            </a:extLst>
+          </p:cNvPr>
+          <p:cNvPicPr>
+            <a:picLocks noChangeAspect="1" noChangeArrowheads="1"/>
+          </p:cNvPicPr>
+          <p:nvPr/>
+        </p:nvPicPr>
+        <p:blipFill>
+          <a:blip r:embed="rId2" cstate="print">
+            <a:extLst>
+              <a:ext uri="{28A0092B-C50C-407E-A947-70E740481C1C}">
+                <a14:useLocalDpi xmlns:a14="http://schemas.microsoft.com/office/drawing/2010/main" val="0"/>
+              </a:ext>
+            </a:extLst>
+          </a:blip>
+          <a:srcRect/>
+          <a:stretch>
+            <a:fillRect/>
+          </a:stretch>
+        </p:blipFill>
+        <p:spPr bwMode="auto">
+          <a:xfrm>
+            <a:off x="1619672" y="1196752"/>
+            <a:ext cx="702078" cy="587990"/>
+          </a:xfrm>
+          <a:prstGeom prst="rect">
+            <a:avLst/>
+          </a:prstGeom>
+          <a:noFill/>
+          <a:extLst>
+            <a:ext uri="{909E8E84-426E-40DD-AFC4-6F175D3DCCD1}">
+              <a14:hiddenFill xmlns:a14="http://schemas.microsoft.com/office/drawing/2010/main">
+                <a:solidFill>
+                  <a:srgbClr val="FFFFFF"/>
+                </a:solidFill>
+              </a14:hiddenFill>
+            </a:ext>
+          </a:extLst>
+        </p:spPr>
+      </p:pic>
+      <p:grpSp>
+        <p:nvGrpSpPr>
+          <p:cNvPr id="5" name="グループ化 4">
+            <a:extLst>
+              <a:ext uri="{FF2B5EF4-FFF2-40B4-BE49-F238E27FC236}">
+                <a16:creationId xmlns:a16="http://schemas.microsoft.com/office/drawing/2014/main" id="{D9F77193-330B-4C73-9573-2250977E6FC6}"/>
+              </a:ext>
+            </a:extLst>
+          </p:cNvPr>
+          <p:cNvGrpSpPr/>
+          <p:nvPr/>
+        </p:nvGrpSpPr>
+        <p:grpSpPr>
+          <a:xfrm>
+            <a:off x="1758355" y="1988840"/>
+            <a:ext cx="432048" cy="540060"/>
+            <a:chOff x="3851920" y="1268760"/>
+            <a:chExt cx="2880320" cy="3600400"/>
+          </a:xfrm>
+        </p:grpSpPr>
+        <p:sp>
+          <p:nvSpPr>
+            <p:cNvPr id="6" name="1 つの角を切り取った四角形 47">
+              <a:extLst>
+                <a:ext uri="{FF2B5EF4-FFF2-40B4-BE49-F238E27FC236}">
+                  <a16:creationId xmlns:a16="http://schemas.microsoft.com/office/drawing/2014/main" id="{27532BC8-154D-4CC6-9BB6-90D42C8139CE}"/>
+                </a:ext>
+              </a:extLst>
+            </p:cNvPr>
+            <p:cNvSpPr/>
+            <p:nvPr/>
+          </p:nvSpPr>
+          <p:spPr>
+            <a:xfrm>
+              <a:off x="3851920" y="1268760"/>
+              <a:ext cx="2880320" cy="3600400"/>
+            </a:xfrm>
+            <a:prstGeom prst="snip1Rect">
+              <a:avLst>
+                <a:gd name="adj" fmla="val 24949"/>
+              </a:avLst>
+            </a:prstGeom>
+            <a:solidFill>
+              <a:schemeClr val="bg1"/>
+            </a:solidFill>
+            <a:ln>
+              <a:solidFill>
+                <a:schemeClr val="tx1"/>
+              </a:solidFill>
+            </a:ln>
+          </p:spPr>
+          <p:style>
+            <a:lnRef idx="2">
+              <a:schemeClr val="accent1">
+                <a:shade val="50000"/>
+              </a:schemeClr>
+            </a:lnRef>
+            <a:fillRef idx="1">
+              <a:schemeClr val="accent1"/>
+            </a:fillRef>
+            <a:effectRef idx="0">
+              <a:schemeClr val="accent1"/>
+            </a:effectRef>
+            <a:fontRef idx="minor">
+              <a:schemeClr val="lt1"/>
+            </a:fontRef>
+          </p:style>
+          <p:txBody>
+            <a:bodyPr rtlCol="0" anchor="ctr"/>
+            <a:lstStyle/>
+            <a:p>
+              <a:pPr algn="ctr"/>
+              <a:endParaRPr kumimoji="1" lang="ja-JP" altLang="en-US"/>
+            </a:p>
+          </p:txBody>
+        </p:sp>
+        <p:sp>
+          <p:nvSpPr>
+            <p:cNvPr id="7" name="直角三角形 6">
+              <a:extLst>
+                <a:ext uri="{FF2B5EF4-FFF2-40B4-BE49-F238E27FC236}">
+                  <a16:creationId xmlns:a16="http://schemas.microsoft.com/office/drawing/2014/main" id="{5A041C79-0D36-42FC-8D51-8D386C2DF5EC}"/>
+                </a:ext>
+              </a:extLst>
+            </p:cNvPr>
+            <p:cNvSpPr/>
+            <p:nvPr/>
+          </p:nvSpPr>
+          <p:spPr>
+            <a:xfrm>
+              <a:off x="6012160" y="1268760"/>
+              <a:ext cx="720080" cy="720080"/>
+            </a:xfrm>
+            <a:prstGeom prst="rtTriangle">
+              <a:avLst/>
+            </a:prstGeom>
+            <a:solidFill>
+              <a:schemeClr val="bg1">
+                <a:lumMod val="85000"/>
+              </a:schemeClr>
+            </a:solidFill>
+            <a:ln>
+              <a:solidFill>
+                <a:schemeClr val="tx1"/>
+              </a:solidFill>
+            </a:ln>
+          </p:spPr>
+          <p:style>
+            <a:lnRef idx="2">
+              <a:schemeClr val="accent1">
+                <a:shade val="50000"/>
+              </a:schemeClr>
+            </a:lnRef>
+            <a:fillRef idx="1">
+              <a:schemeClr val="accent1"/>
+            </a:fillRef>
+            <a:effectRef idx="0">
+              <a:schemeClr val="accent1"/>
+            </a:effectRef>
+            <a:fontRef idx="minor">
+              <a:schemeClr val="lt1"/>
+            </a:fontRef>
+          </p:style>
+          <p:txBody>
+            <a:bodyPr rtlCol="0" anchor="ctr"/>
+            <a:lstStyle/>
+            <a:p>
+              <a:pPr algn="ctr"/>
+              <a:endParaRPr kumimoji="1" lang="ja-JP" altLang="en-US"/>
+            </a:p>
+          </p:txBody>
+        </p:sp>
+      </p:grpSp>
+      <p:sp>
+        <p:nvSpPr>
+          <p:cNvPr id="8" name="テキスト ボックス 7">
+            <a:extLst>
+              <a:ext uri="{FF2B5EF4-FFF2-40B4-BE49-F238E27FC236}">
+                <a16:creationId xmlns:a16="http://schemas.microsoft.com/office/drawing/2014/main" id="{DD55C9DF-ECD0-4C5F-8F18-8F47E74C4156}"/>
+              </a:ext>
+            </a:extLst>
+          </p:cNvPr>
+          <p:cNvSpPr txBox="1"/>
+          <p:nvPr/>
+        </p:nvSpPr>
+        <p:spPr>
+          <a:xfrm>
+            <a:off x="1475656" y="764704"/>
+            <a:ext cx="2031325" cy="369332"/>
+          </a:xfrm>
+          <a:prstGeom prst="rect">
+            <a:avLst/>
+          </a:prstGeom>
+          <a:noFill/>
+        </p:spPr>
+        <p:txBody>
+          <a:bodyPr wrap="none" rtlCol="0">
+            <a:spAutoFit/>
+          </a:bodyPr>
+          <a:lstStyle/>
+          <a:p>
+            <a:r>
+              <a:rPr kumimoji="1" lang="ja-JP" altLang="en-US" dirty="0"/>
+              <a:t>ワーキングツリー</a:t>
+            </a:r>
+          </a:p>
+        </p:txBody>
+      </p:sp>
+      <p:sp>
+        <p:nvSpPr>
+          <p:cNvPr id="9" name="テキスト ボックス 8">
+            <a:extLst>
+              <a:ext uri="{FF2B5EF4-FFF2-40B4-BE49-F238E27FC236}">
+                <a16:creationId xmlns:a16="http://schemas.microsoft.com/office/drawing/2014/main" id="{C6341204-C768-494C-8C27-33FD6033563F}"/>
+              </a:ext>
+            </a:extLst>
+          </p:cNvPr>
+          <p:cNvSpPr txBox="1"/>
+          <p:nvPr/>
+        </p:nvSpPr>
+        <p:spPr>
+          <a:xfrm>
+            <a:off x="3851920" y="764704"/>
+            <a:ext cx="1569660" cy="369332"/>
+          </a:xfrm>
+          <a:prstGeom prst="rect">
+            <a:avLst/>
+          </a:prstGeom>
+          <a:noFill/>
+        </p:spPr>
+        <p:txBody>
+          <a:bodyPr wrap="none" rtlCol="0">
+            <a:spAutoFit/>
+          </a:bodyPr>
+          <a:lstStyle/>
+          <a:p>
+            <a:r>
+              <a:rPr kumimoji="1" lang="ja-JP" altLang="en-US" dirty="0"/>
+              <a:t>インデックス</a:t>
+            </a:r>
+          </a:p>
+        </p:txBody>
+      </p:sp>
+      <p:sp>
+        <p:nvSpPr>
+          <p:cNvPr id="10" name="テキスト ボックス 9">
+            <a:extLst>
+              <a:ext uri="{FF2B5EF4-FFF2-40B4-BE49-F238E27FC236}">
+                <a16:creationId xmlns:a16="http://schemas.microsoft.com/office/drawing/2014/main" id="{B1ECEC8F-C3CA-4A09-905E-2E6D92072F18}"/>
+              </a:ext>
+            </a:extLst>
+          </p:cNvPr>
+          <p:cNvSpPr txBox="1"/>
+          <p:nvPr/>
+        </p:nvSpPr>
+        <p:spPr>
+          <a:xfrm>
+            <a:off x="5897468" y="764704"/>
+            <a:ext cx="1338828" cy="369332"/>
+          </a:xfrm>
+          <a:prstGeom prst="rect">
+            <a:avLst/>
+          </a:prstGeom>
+          <a:noFill/>
+        </p:spPr>
+        <p:txBody>
+          <a:bodyPr wrap="none" rtlCol="0">
+            <a:spAutoFit/>
+          </a:bodyPr>
+          <a:lstStyle/>
+          <a:p>
+            <a:r>
+              <a:rPr kumimoji="1" lang="ja-JP" altLang="en-US" dirty="0"/>
+              <a:t>リポジトリ</a:t>
+            </a:r>
+          </a:p>
+        </p:txBody>
+      </p:sp>
+      <p:cxnSp>
+        <p:nvCxnSpPr>
+          <p:cNvPr id="11" name="直線コネクタ 10">
+            <a:extLst>
+              <a:ext uri="{FF2B5EF4-FFF2-40B4-BE49-F238E27FC236}">
+                <a16:creationId xmlns:a16="http://schemas.microsoft.com/office/drawing/2014/main" id="{C8615873-6617-43CE-9BFD-9199B49A0089}"/>
+              </a:ext>
+            </a:extLst>
+          </p:cNvPr>
+          <p:cNvCxnSpPr>
+            <a:cxnSpLocks/>
+            <a:stCxn id="4" idx="2"/>
+            <a:endCxn id="6" idx="3"/>
+          </p:cNvCxnSpPr>
+          <p:nvPr/>
+        </p:nvCxnSpPr>
+        <p:spPr>
+          <a:xfrm>
+            <a:off x="1970711" y="1784742"/>
+            <a:ext cx="3668" cy="204098"/>
+          </a:xfrm>
+          <a:prstGeom prst="line">
+            <a:avLst/>
+          </a:prstGeom>
+          <a:ln>
+            <a:solidFill>
+              <a:schemeClr val="tx1"/>
+            </a:solidFill>
+            <a:headEnd type="none" w="med" len="med"/>
+            <a:tailEnd type="none" w="med" len="med"/>
+          </a:ln>
+        </p:spPr>
+        <p:style>
+          <a:lnRef idx="1">
+            <a:schemeClr val="accent1"/>
+          </a:lnRef>
+          <a:fillRef idx="0">
+            <a:schemeClr val="accent1"/>
+          </a:fillRef>
+          <a:effectRef idx="0">
+            <a:schemeClr val="accent1"/>
+          </a:effectRef>
+          <a:fontRef idx="minor">
+            <a:schemeClr val="tx1"/>
+          </a:fontRef>
+        </p:style>
+      </p:cxnSp>
+      <p:sp>
+        <p:nvSpPr>
+          <p:cNvPr id="12" name="テキスト ボックス 11">
+            <a:extLst>
+              <a:ext uri="{FF2B5EF4-FFF2-40B4-BE49-F238E27FC236}">
+                <a16:creationId xmlns:a16="http://schemas.microsoft.com/office/drawing/2014/main" id="{B3C1FC05-0D95-40B4-8714-577758D5E556}"/>
+              </a:ext>
+            </a:extLst>
+          </p:cNvPr>
+          <p:cNvSpPr txBox="1"/>
+          <p:nvPr/>
+        </p:nvSpPr>
+        <p:spPr>
+          <a:xfrm>
+            <a:off x="323528" y="2996952"/>
+            <a:ext cx="3312368" cy="523220"/>
+          </a:xfrm>
+          <a:prstGeom prst="rect">
+            <a:avLst/>
+          </a:prstGeom>
+          <a:noFill/>
+          <a:ln>
+            <a:solidFill>
+              <a:schemeClr val="tx1"/>
+            </a:solidFill>
+          </a:ln>
+        </p:spPr>
+        <p:txBody>
+          <a:bodyPr wrap="square">
+            <a:spAutoFit/>
+          </a:bodyPr>
+          <a:lstStyle/>
+          <a:p>
+            <a:r>
+              <a:rPr lang="en-US" sz="2800">
+                <a:latin typeface="Consolas" panose="020B0609020204030204" pitchFamily="49" charset="0"/>
+              </a:rPr>
+              <a:t>$ git add file_b</a:t>
+            </a:r>
+          </a:p>
+        </p:txBody>
+      </p:sp>
+      <p:grpSp>
+        <p:nvGrpSpPr>
+          <p:cNvPr id="13" name="グループ化 12">
+            <a:extLst>
+              <a:ext uri="{FF2B5EF4-FFF2-40B4-BE49-F238E27FC236}">
+                <a16:creationId xmlns:a16="http://schemas.microsoft.com/office/drawing/2014/main" id="{BACA0C85-A135-4890-917B-1D3B2EA2D3E2}"/>
+              </a:ext>
+            </a:extLst>
+          </p:cNvPr>
+          <p:cNvGrpSpPr/>
+          <p:nvPr/>
+        </p:nvGrpSpPr>
+        <p:grpSpPr>
+          <a:xfrm>
+            <a:off x="2483768" y="1988840"/>
+            <a:ext cx="432048" cy="540060"/>
+            <a:chOff x="3851920" y="1268760"/>
+            <a:chExt cx="2880320" cy="3600400"/>
+          </a:xfrm>
+          <a:solidFill>
+            <a:schemeClr val="accent1">
+              <a:lumMod val="20000"/>
+              <a:lumOff val="80000"/>
+            </a:schemeClr>
+          </a:solidFill>
+        </p:grpSpPr>
+        <p:sp>
+          <p:nvSpPr>
+            <p:cNvPr id="14" name="1 つの角を切り取った四角形 33">
+              <a:extLst>
+                <a:ext uri="{FF2B5EF4-FFF2-40B4-BE49-F238E27FC236}">
+                  <a16:creationId xmlns:a16="http://schemas.microsoft.com/office/drawing/2014/main" id="{F8BB103D-DE5E-449B-BDEB-2A516D551174}"/>
+                </a:ext>
+              </a:extLst>
+            </p:cNvPr>
+            <p:cNvSpPr/>
+            <p:nvPr/>
+          </p:nvSpPr>
+          <p:spPr>
+            <a:xfrm>
+              <a:off x="3851920" y="1268760"/>
+              <a:ext cx="2880320" cy="3600400"/>
+            </a:xfrm>
+            <a:prstGeom prst="snip1Rect">
+              <a:avLst>
+                <a:gd name="adj" fmla="val 24949"/>
+              </a:avLst>
+            </a:prstGeom>
+            <a:grpFill/>
+            <a:ln>
+              <a:solidFill>
+                <a:schemeClr val="tx1"/>
+              </a:solidFill>
+            </a:ln>
+          </p:spPr>
+          <p:style>
+            <a:lnRef idx="2">
+              <a:schemeClr val="accent1">
+                <a:shade val="50000"/>
+              </a:schemeClr>
+            </a:lnRef>
+            <a:fillRef idx="1">
+              <a:schemeClr val="accent1"/>
+            </a:fillRef>
+            <a:effectRef idx="0">
+              <a:schemeClr val="accent1"/>
+            </a:effectRef>
+            <a:fontRef idx="minor">
+              <a:schemeClr val="lt1"/>
+            </a:fontRef>
+          </p:style>
+          <p:txBody>
+            <a:bodyPr rtlCol="0" anchor="ctr"/>
+            <a:lstStyle/>
+            <a:p>
+              <a:pPr algn="ctr"/>
+              <a:endParaRPr kumimoji="1" lang="ja-JP" altLang="en-US"/>
+            </a:p>
+          </p:txBody>
+        </p:sp>
+        <p:sp>
+          <p:nvSpPr>
+            <p:cNvPr id="15" name="直角三角形 14">
+              <a:extLst>
+                <a:ext uri="{FF2B5EF4-FFF2-40B4-BE49-F238E27FC236}">
+                  <a16:creationId xmlns:a16="http://schemas.microsoft.com/office/drawing/2014/main" id="{DB1A0256-8AEE-42FA-B688-11CCEDE26FA7}"/>
+                </a:ext>
+              </a:extLst>
+            </p:cNvPr>
+            <p:cNvSpPr/>
+            <p:nvPr/>
+          </p:nvSpPr>
+          <p:spPr>
+            <a:xfrm>
+              <a:off x="6012160" y="1268760"/>
+              <a:ext cx="720080" cy="720080"/>
+            </a:xfrm>
+            <a:prstGeom prst="rtTriangle">
+              <a:avLst/>
+            </a:prstGeom>
+            <a:grpFill/>
+            <a:ln>
+              <a:solidFill>
+                <a:schemeClr val="tx1"/>
+              </a:solidFill>
+            </a:ln>
+          </p:spPr>
+          <p:style>
+            <a:lnRef idx="2">
+              <a:schemeClr val="accent1">
+                <a:shade val="50000"/>
+              </a:schemeClr>
+            </a:lnRef>
+            <a:fillRef idx="1">
+              <a:schemeClr val="accent1"/>
+            </a:fillRef>
+            <a:effectRef idx="0">
+              <a:schemeClr val="accent1"/>
+            </a:effectRef>
+            <a:fontRef idx="minor">
+              <a:schemeClr val="lt1"/>
+            </a:fontRef>
+          </p:style>
+          <p:txBody>
+            <a:bodyPr rtlCol="0" anchor="ctr"/>
+            <a:lstStyle/>
+            <a:p>
+              <a:pPr algn="ctr"/>
+              <a:endParaRPr kumimoji="1" lang="ja-JP" altLang="en-US"/>
+            </a:p>
+          </p:txBody>
+        </p:sp>
+      </p:grpSp>
+      <p:cxnSp>
+        <p:nvCxnSpPr>
+          <p:cNvPr id="26" name="コネクタ: カギ線 25">
+            <a:extLst>
+              <a:ext uri="{FF2B5EF4-FFF2-40B4-BE49-F238E27FC236}">
+                <a16:creationId xmlns:a16="http://schemas.microsoft.com/office/drawing/2014/main" id="{C7589E4A-4AA0-4789-A532-3E5027B634A9}"/>
+              </a:ext>
+            </a:extLst>
+          </p:cNvPr>
+          <p:cNvCxnSpPr>
+            <a:stCxn id="4" idx="2"/>
+            <a:endCxn id="14" idx="3"/>
+          </p:cNvCxnSpPr>
+          <p:nvPr/>
+        </p:nvCxnSpPr>
+        <p:spPr>
+          <a:xfrm rot="16200000" flipH="1">
+            <a:off x="2233202" y="1522250"/>
+            <a:ext cx="204098" cy="729081"/>
+          </a:xfrm>
+          <a:prstGeom prst="bentConnector3">
+            <a:avLst/>
+          </a:prstGeom>
+          <a:ln w="12700">
+            <a:solidFill>
+              <a:schemeClr val="tx1"/>
+            </a:solidFill>
+          </a:ln>
+        </p:spPr>
+        <p:style>
+          <a:lnRef idx="1">
+            <a:schemeClr val="accent1"/>
+          </a:lnRef>
+          <a:fillRef idx="0">
+            <a:schemeClr val="accent1"/>
+          </a:fillRef>
+          <a:effectRef idx="0">
+            <a:schemeClr val="accent1"/>
+          </a:effectRef>
+          <a:fontRef idx="minor">
+            <a:schemeClr val="tx1"/>
+          </a:fontRef>
+        </p:style>
+      </p:cxnSp>
+      <p:sp>
+        <p:nvSpPr>
+          <p:cNvPr id="27" name="テキスト ボックス 26">
+            <a:extLst>
+              <a:ext uri="{FF2B5EF4-FFF2-40B4-BE49-F238E27FC236}">
+                <a16:creationId xmlns:a16="http://schemas.microsoft.com/office/drawing/2014/main" id="{2C28B235-2BE9-4669-A2DF-F220D2280F17}"/>
+              </a:ext>
+            </a:extLst>
+          </p:cNvPr>
+          <p:cNvSpPr txBox="1"/>
+          <p:nvPr/>
+        </p:nvSpPr>
+        <p:spPr>
+          <a:xfrm>
+            <a:off x="1475656" y="2564904"/>
+            <a:ext cx="944489" cy="369332"/>
+          </a:xfrm>
+          <a:prstGeom prst="rect">
+            <a:avLst/>
+          </a:prstGeom>
+          <a:noFill/>
+        </p:spPr>
+        <p:txBody>
+          <a:bodyPr wrap="none" rtlCol="0">
+            <a:spAutoFit/>
+          </a:bodyPr>
+          <a:lstStyle/>
+          <a:p>
+            <a:r>
+              <a:rPr lang="en-US">
+                <a:latin typeface="Consolas" panose="020B0609020204030204" pitchFamily="49" charset="0"/>
+              </a:rPr>
+              <a:t>file_a</a:t>
+            </a:r>
+          </a:p>
+        </p:txBody>
+      </p:sp>
+      <p:sp>
+        <p:nvSpPr>
+          <p:cNvPr id="28" name="テキスト ボックス 27">
+            <a:extLst>
+              <a:ext uri="{FF2B5EF4-FFF2-40B4-BE49-F238E27FC236}">
+                <a16:creationId xmlns:a16="http://schemas.microsoft.com/office/drawing/2014/main" id="{F766E3C3-DA75-4FCF-A239-B76F75C54F8C}"/>
+              </a:ext>
+            </a:extLst>
+          </p:cNvPr>
+          <p:cNvSpPr txBox="1"/>
+          <p:nvPr/>
+        </p:nvSpPr>
+        <p:spPr>
+          <a:xfrm>
+            <a:off x="2339752" y="2564904"/>
+            <a:ext cx="944489" cy="369332"/>
+          </a:xfrm>
+          <a:prstGeom prst="rect">
+            <a:avLst/>
+          </a:prstGeom>
+          <a:noFill/>
+        </p:spPr>
+        <p:txBody>
+          <a:bodyPr wrap="none" rtlCol="0">
+            <a:spAutoFit/>
+          </a:bodyPr>
+          <a:lstStyle/>
+          <a:p>
+            <a:r>
+              <a:rPr lang="en-US">
+                <a:latin typeface="Consolas" panose="020B0609020204030204" pitchFamily="49" charset="0"/>
+              </a:rPr>
+              <a:t>file_b</a:t>
+            </a:r>
+          </a:p>
+        </p:txBody>
+      </p:sp>
+      <p:cxnSp>
+        <p:nvCxnSpPr>
+          <p:cNvPr id="29" name="直線コネクタ 28">
+            <a:extLst>
+              <a:ext uri="{FF2B5EF4-FFF2-40B4-BE49-F238E27FC236}">
+                <a16:creationId xmlns:a16="http://schemas.microsoft.com/office/drawing/2014/main" id="{FCC3DCB7-39B3-480B-BF18-52A7DA6A3A31}"/>
+              </a:ext>
+            </a:extLst>
+          </p:cNvPr>
+          <p:cNvCxnSpPr/>
+          <p:nvPr/>
+        </p:nvCxnSpPr>
+        <p:spPr>
+          <a:xfrm>
+            <a:off x="3707904" y="3861048"/>
+            <a:ext cx="0" cy="1656184"/>
+          </a:xfrm>
+          <a:prstGeom prst="line">
+            <a:avLst/>
+          </a:prstGeom>
+          <a:ln>
+            <a:solidFill>
+              <a:schemeClr val="tx1"/>
+            </a:solidFill>
+            <a:headEnd type="none" w="med" len="med"/>
+            <a:tailEnd type="none" w="med" len="med"/>
+          </a:ln>
+        </p:spPr>
+        <p:style>
+          <a:lnRef idx="1">
+            <a:schemeClr val="accent1"/>
+          </a:lnRef>
+          <a:fillRef idx="0">
+            <a:schemeClr val="accent1"/>
+          </a:fillRef>
+          <a:effectRef idx="0">
+            <a:schemeClr val="accent1"/>
+          </a:effectRef>
+          <a:fontRef idx="minor">
+            <a:schemeClr val="tx1"/>
+          </a:fontRef>
+        </p:style>
+      </p:cxnSp>
+      <p:cxnSp>
+        <p:nvCxnSpPr>
+          <p:cNvPr id="30" name="直線コネクタ 29">
+            <a:extLst>
+              <a:ext uri="{FF2B5EF4-FFF2-40B4-BE49-F238E27FC236}">
+                <a16:creationId xmlns:a16="http://schemas.microsoft.com/office/drawing/2014/main" id="{D2D67872-2FB0-4638-BF28-0C8363326C0B}"/>
+              </a:ext>
+            </a:extLst>
+          </p:cNvPr>
+          <p:cNvCxnSpPr/>
+          <p:nvPr/>
+        </p:nvCxnSpPr>
+        <p:spPr>
+          <a:xfrm>
+            <a:off x="5652120" y="3861048"/>
+            <a:ext cx="0" cy="1656184"/>
+          </a:xfrm>
+          <a:prstGeom prst="line">
+            <a:avLst/>
+          </a:prstGeom>
+          <a:ln>
+            <a:solidFill>
+              <a:schemeClr val="tx1"/>
+            </a:solidFill>
+            <a:headEnd type="none" w="med" len="med"/>
+            <a:tailEnd type="none" w="med" len="med"/>
+          </a:ln>
+        </p:spPr>
+        <p:style>
+          <a:lnRef idx="1">
+            <a:schemeClr val="accent1"/>
+          </a:lnRef>
+          <a:fillRef idx="0">
+            <a:schemeClr val="accent1"/>
+          </a:fillRef>
+          <a:effectRef idx="0">
+            <a:schemeClr val="accent1"/>
+          </a:effectRef>
+          <a:fontRef idx="minor">
+            <a:schemeClr val="tx1"/>
+          </a:fontRef>
+        </p:style>
+      </p:cxnSp>
+      <p:pic>
+        <p:nvPicPr>
+          <p:cNvPr id="31" name="Picture 2" descr="フォルダのイラスト">
+            <a:extLst>
+              <a:ext uri="{FF2B5EF4-FFF2-40B4-BE49-F238E27FC236}">
+                <a16:creationId xmlns:a16="http://schemas.microsoft.com/office/drawing/2014/main" id="{F0F5AF92-8880-4920-8B8B-B58D64B9EB32}"/>
+              </a:ext>
+            </a:extLst>
+          </p:cNvPr>
+          <p:cNvPicPr>
+            <a:picLocks noChangeAspect="1" noChangeArrowheads="1"/>
+          </p:cNvPicPr>
+          <p:nvPr/>
+        </p:nvPicPr>
+        <p:blipFill>
+          <a:blip r:embed="rId2" cstate="print">
+            <a:extLst>
+              <a:ext uri="{28A0092B-C50C-407E-A947-70E740481C1C}">
+                <a14:useLocalDpi xmlns:a14="http://schemas.microsoft.com/office/drawing/2010/main" val="0"/>
+              </a:ext>
+            </a:extLst>
+          </a:blip>
+          <a:srcRect/>
+          <a:stretch>
+            <a:fillRect/>
+          </a:stretch>
+        </p:blipFill>
+        <p:spPr bwMode="auto">
+          <a:xfrm>
+            <a:off x="1691680" y="4149080"/>
+            <a:ext cx="702078" cy="587990"/>
+          </a:xfrm>
+          <a:prstGeom prst="rect">
+            <a:avLst/>
+          </a:prstGeom>
+          <a:noFill/>
+          <a:extLst>
+            <a:ext uri="{909E8E84-426E-40DD-AFC4-6F175D3DCCD1}">
+              <a14:hiddenFill xmlns:a14="http://schemas.microsoft.com/office/drawing/2010/main">
+                <a:solidFill>
+                  <a:srgbClr val="FFFFFF"/>
+                </a:solidFill>
+              </a14:hiddenFill>
+            </a:ext>
+          </a:extLst>
+        </p:spPr>
+      </p:pic>
+      <p:grpSp>
+        <p:nvGrpSpPr>
+          <p:cNvPr id="32" name="グループ化 31">
+            <a:extLst>
+              <a:ext uri="{FF2B5EF4-FFF2-40B4-BE49-F238E27FC236}">
+                <a16:creationId xmlns:a16="http://schemas.microsoft.com/office/drawing/2014/main" id="{A35B0B67-4756-487A-B21C-B3D5226A4821}"/>
+              </a:ext>
+            </a:extLst>
+          </p:cNvPr>
+          <p:cNvGrpSpPr/>
+          <p:nvPr/>
+        </p:nvGrpSpPr>
+        <p:grpSpPr>
+          <a:xfrm>
+            <a:off x="1830363" y="4941168"/>
+            <a:ext cx="432048" cy="540060"/>
+            <a:chOff x="3851920" y="1268760"/>
+            <a:chExt cx="2880320" cy="3600400"/>
+          </a:xfrm>
+        </p:grpSpPr>
+        <p:sp>
+          <p:nvSpPr>
+            <p:cNvPr id="33" name="1 つの角を切り取った四角形 47">
+              <a:extLst>
+                <a:ext uri="{FF2B5EF4-FFF2-40B4-BE49-F238E27FC236}">
+                  <a16:creationId xmlns:a16="http://schemas.microsoft.com/office/drawing/2014/main" id="{14151952-E77A-4EFE-B8B6-0C65D497E71E}"/>
+                </a:ext>
+              </a:extLst>
+            </p:cNvPr>
+            <p:cNvSpPr/>
+            <p:nvPr/>
+          </p:nvSpPr>
+          <p:spPr>
+            <a:xfrm>
+              <a:off x="3851920" y="1268760"/>
+              <a:ext cx="2880320" cy="3600400"/>
+            </a:xfrm>
+            <a:prstGeom prst="snip1Rect">
+              <a:avLst>
+                <a:gd name="adj" fmla="val 24949"/>
+              </a:avLst>
+            </a:prstGeom>
+            <a:solidFill>
+              <a:schemeClr val="bg1"/>
+            </a:solidFill>
+            <a:ln>
+              <a:solidFill>
+                <a:schemeClr val="tx1"/>
+              </a:solidFill>
+            </a:ln>
+          </p:spPr>
+          <p:style>
+            <a:lnRef idx="2">
+              <a:schemeClr val="accent1">
+                <a:shade val="50000"/>
+              </a:schemeClr>
+            </a:lnRef>
+            <a:fillRef idx="1">
+              <a:schemeClr val="accent1"/>
+            </a:fillRef>
+            <a:effectRef idx="0">
+              <a:schemeClr val="accent1"/>
+            </a:effectRef>
+            <a:fontRef idx="minor">
+              <a:schemeClr val="lt1"/>
+            </a:fontRef>
+          </p:style>
+          <p:txBody>
+            <a:bodyPr rtlCol="0" anchor="ctr"/>
+            <a:lstStyle/>
+            <a:p>
+              <a:pPr algn="ctr"/>
+              <a:endParaRPr kumimoji="1" lang="ja-JP" altLang="en-US"/>
+            </a:p>
+          </p:txBody>
+        </p:sp>
+        <p:sp>
+          <p:nvSpPr>
+            <p:cNvPr id="34" name="直角三角形 33">
+              <a:extLst>
+                <a:ext uri="{FF2B5EF4-FFF2-40B4-BE49-F238E27FC236}">
+                  <a16:creationId xmlns:a16="http://schemas.microsoft.com/office/drawing/2014/main" id="{2333451B-1F24-451B-A6F0-CA7E7846B41C}"/>
+                </a:ext>
+              </a:extLst>
+            </p:cNvPr>
+            <p:cNvSpPr/>
+            <p:nvPr/>
+          </p:nvSpPr>
+          <p:spPr>
+            <a:xfrm>
+              <a:off x="6012160" y="1268760"/>
+              <a:ext cx="720080" cy="720080"/>
+            </a:xfrm>
+            <a:prstGeom prst="rtTriangle">
+              <a:avLst/>
+            </a:prstGeom>
+            <a:solidFill>
+              <a:schemeClr val="bg1">
+                <a:lumMod val="85000"/>
+              </a:schemeClr>
+            </a:solidFill>
+            <a:ln>
+              <a:solidFill>
+                <a:schemeClr val="tx1"/>
+              </a:solidFill>
+            </a:ln>
+          </p:spPr>
+          <p:style>
+            <a:lnRef idx="2">
+              <a:schemeClr val="accent1">
+                <a:shade val="50000"/>
+              </a:schemeClr>
+            </a:lnRef>
+            <a:fillRef idx="1">
+              <a:schemeClr val="accent1"/>
+            </a:fillRef>
+            <a:effectRef idx="0">
+              <a:schemeClr val="accent1"/>
+            </a:effectRef>
+            <a:fontRef idx="minor">
+              <a:schemeClr val="lt1"/>
+            </a:fontRef>
+          </p:style>
+          <p:txBody>
+            <a:bodyPr rtlCol="0" anchor="ctr"/>
+            <a:lstStyle/>
+            <a:p>
+              <a:pPr algn="ctr"/>
+              <a:endParaRPr kumimoji="1" lang="ja-JP" altLang="en-US"/>
+            </a:p>
+          </p:txBody>
+        </p:sp>
+      </p:grpSp>
+      <p:sp>
+        <p:nvSpPr>
+          <p:cNvPr id="35" name="テキスト ボックス 34">
+            <a:extLst>
+              <a:ext uri="{FF2B5EF4-FFF2-40B4-BE49-F238E27FC236}">
+                <a16:creationId xmlns:a16="http://schemas.microsoft.com/office/drawing/2014/main" id="{7DDF5051-FA42-498E-9F93-A74930762DAB}"/>
+              </a:ext>
+            </a:extLst>
+          </p:cNvPr>
+          <p:cNvSpPr txBox="1"/>
+          <p:nvPr/>
+        </p:nvSpPr>
+        <p:spPr>
+          <a:xfrm>
+            <a:off x="1547664" y="3717032"/>
+            <a:ext cx="2031325" cy="369332"/>
+          </a:xfrm>
+          <a:prstGeom prst="rect">
+            <a:avLst/>
+          </a:prstGeom>
+          <a:noFill/>
+        </p:spPr>
+        <p:txBody>
+          <a:bodyPr wrap="none" rtlCol="0">
+            <a:spAutoFit/>
+          </a:bodyPr>
+          <a:lstStyle/>
+          <a:p>
+            <a:r>
+              <a:rPr kumimoji="1" lang="ja-JP" altLang="en-US" dirty="0"/>
+              <a:t>ワーキングツリー</a:t>
+            </a:r>
+          </a:p>
+        </p:txBody>
+      </p:sp>
+      <p:sp>
+        <p:nvSpPr>
+          <p:cNvPr id="36" name="テキスト ボックス 35">
+            <a:extLst>
+              <a:ext uri="{FF2B5EF4-FFF2-40B4-BE49-F238E27FC236}">
+                <a16:creationId xmlns:a16="http://schemas.microsoft.com/office/drawing/2014/main" id="{1CA32E42-CE3C-47BE-AC19-4A4A6F8660DB}"/>
+              </a:ext>
+            </a:extLst>
+          </p:cNvPr>
+          <p:cNvSpPr txBox="1"/>
+          <p:nvPr/>
+        </p:nvSpPr>
+        <p:spPr>
+          <a:xfrm>
+            <a:off x="3923928" y="3717032"/>
+            <a:ext cx="1569660" cy="369332"/>
+          </a:xfrm>
+          <a:prstGeom prst="rect">
+            <a:avLst/>
+          </a:prstGeom>
+          <a:noFill/>
+        </p:spPr>
+        <p:txBody>
+          <a:bodyPr wrap="none" rtlCol="0">
+            <a:spAutoFit/>
+          </a:bodyPr>
+          <a:lstStyle/>
+          <a:p>
+            <a:r>
+              <a:rPr kumimoji="1" lang="ja-JP" altLang="en-US" dirty="0"/>
+              <a:t>インデックス</a:t>
+            </a:r>
+          </a:p>
+        </p:txBody>
+      </p:sp>
+      <p:sp>
+        <p:nvSpPr>
+          <p:cNvPr id="37" name="テキスト ボックス 36">
+            <a:extLst>
+              <a:ext uri="{FF2B5EF4-FFF2-40B4-BE49-F238E27FC236}">
+                <a16:creationId xmlns:a16="http://schemas.microsoft.com/office/drawing/2014/main" id="{4BD6DB29-2CB8-4293-AFF8-86A523045EFF}"/>
+              </a:ext>
+            </a:extLst>
+          </p:cNvPr>
+          <p:cNvSpPr txBox="1"/>
+          <p:nvPr/>
+        </p:nvSpPr>
+        <p:spPr>
+          <a:xfrm>
+            <a:off x="5969476" y="3717032"/>
+            <a:ext cx="1338828" cy="369332"/>
+          </a:xfrm>
+          <a:prstGeom prst="rect">
+            <a:avLst/>
+          </a:prstGeom>
+          <a:noFill/>
+        </p:spPr>
+        <p:txBody>
+          <a:bodyPr wrap="none" rtlCol="0">
+            <a:spAutoFit/>
+          </a:bodyPr>
+          <a:lstStyle/>
+          <a:p>
+            <a:r>
+              <a:rPr kumimoji="1" lang="ja-JP" altLang="en-US" dirty="0"/>
+              <a:t>リポジトリ</a:t>
+            </a:r>
+          </a:p>
+        </p:txBody>
+      </p:sp>
+      <p:cxnSp>
+        <p:nvCxnSpPr>
+          <p:cNvPr id="38" name="直線コネクタ 37">
+            <a:extLst>
+              <a:ext uri="{FF2B5EF4-FFF2-40B4-BE49-F238E27FC236}">
+                <a16:creationId xmlns:a16="http://schemas.microsoft.com/office/drawing/2014/main" id="{2E384ABB-1FE8-4F39-8720-34A7081B8803}"/>
+              </a:ext>
+            </a:extLst>
+          </p:cNvPr>
+          <p:cNvCxnSpPr>
+            <a:cxnSpLocks/>
+            <a:stCxn id="31" idx="2"/>
+            <a:endCxn id="33" idx="3"/>
+          </p:cNvCxnSpPr>
+          <p:nvPr/>
+        </p:nvCxnSpPr>
+        <p:spPr>
+          <a:xfrm>
+            <a:off x="2042719" y="4737070"/>
+            <a:ext cx="3668" cy="204098"/>
+          </a:xfrm>
+          <a:prstGeom prst="line">
+            <a:avLst/>
+          </a:prstGeom>
+          <a:ln>
+            <a:solidFill>
+              <a:schemeClr val="tx1"/>
+            </a:solidFill>
+            <a:headEnd type="none" w="med" len="med"/>
+            <a:tailEnd type="none" w="med" len="med"/>
+          </a:ln>
+        </p:spPr>
+        <p:style>
+          <a:lnRef idx="1">
+            <a:schemeClr val="accent1"/>
+          </a:lnRef>
+          <a:fillRef idx="0">
+            <a:schemeClr val="accent1"/>
+          </a:fillRef>
+          <a:effectRef idx="0">
+            <a:schemeClr val="accent1"/>
+          </a:effectRef>
+          <a:fontRef idx="minor">
+            <a:schemeClr val="tx1"/>
+          </a:fontRef>
+        </p:style>
+      </p:cxnSp>
+      <p:grpSp>
+        <p:nvGrpSpPr>
+          <p:cNvPr id="39" name="グループ化 38">
+            <a:extLst>
+              <a:ext uri="{FF2B5EF4-FFF2-40B4-BE49-F238E27FC236}">
+                <a16:creationId xmlns:a16="http://schemas.microsoft.com/office/drawing/2014/main" id="{CB6F661D-1264-4B55-BDB0-595CF7922839}"/>
+              </a:ext>
+            </a:extLst>
+          </p:cNvPr>
+          <p:cNvGrpSpPr/>
+          <p:nvPr/>
+        </p:nvGrpSpPr>
+        <p:grpSpPr>
+          <a:xfrm>
+            <a:off x="2555776" y="4941168"/>
+            <a:ext cx="432048" cy="540060"/>
+            <a:chOff x="3851920" y="1268760"/>
+            <a:chExt cx="2880320" cy="3600400"/>
+          </a:xfrm>
+          <a:solidFill>
+            <a:schemeClr val="accent1">
+              <a:lumMod val="20000"/>
+              <a:lumOff val="80000"/>
+            </a:schemeClr>
+          </a:solidFill>
+        </p:grpSpPr>
+        <p:sp>
+          <p:nvSpPr>
+            <p:cNvPr id="40" name="1 つの角を切り取った四角形 33">
+              <a:extLst>
+                <a:ext uri="{FF2B5EF4-FFF2-40B4-BE49-F238E27FC236}">
+                  <a16:creationId xmlns:a16="http://schemas.microsoft.com/office/drawing/2014/main" id="{8F2A0E5C-296F-4DB7-A735-9214B47E7E6A}"/>
+                </a:ext>
+              </a:extLst>
+            </p:cNvPr>
+            <p:cNvSpPr/>
+            <p:nvPr/>
+          </p:nvSpPr>
+          <p:spPr>
+            <a:xfrm>
+              <a:off x="3851920" y="1268760"/>
+              <a:ext cx="2880320" cy="3600400"/>
+            </a:xfrm>
+            <a:prstGeom prst="snip1Rect">
+              <a:avLst>
+                <a:gd name="adj" fmla="val 24949"/>
+              </a:avLst>
+            </a:prstGeom>
+            <a:grpFill/>
+            <a:ln>
+              <a:solidFill>
+                <a:schemeClr val="tx1"/>
+              </a:solidFill>
+            </a:ln>
+          </p:spPr>
+          <p:style>
+            <a:lnRef idx="2">
+              <a:schemeClr val="accent1">
+                <a:shade val="50000"/>
+              </a:schemeClr>
+            </a:lnRef>
+            <a:fillRef idx="1">
+              <a:schemeClr val="accent1"/>
+            </a:fillRef>
+            <a:effectRef idx="0">
+              <a:schemeClr val="accent1"/>
+            </a:effectRef>
+            <a:fontRef idx="minor">
+              <a:schemeClr val="lt1"/>
+            </a:fontRef>
+          </p:style>
+          <p:txBody>
+            <a:bodyPr rtlCol="0" anchor="ctr"/>
+            <a:lstStyle/>
+            <a:p>
+              <a:pPr algn="ctr"/>
+              <a:endParaRPr kumimoji="1" lang="ja-JP" altLang="en-US"/>
+            </a:p>
+          </p:txBody>
+        </p:sp>
+        <p:sp>
+          <p:nvSpPr>
+            <p:cNvPr id="41" name="直角三角形 40">
+              <a:extLst>
+                <a:ext uri="{FF2B5EF4-FFF2-40B4-BE49-F238E27FC236}">
+                  <a16:creationId xmlns:a16="http://schemas.microsoft.com/office/drawing/2014/main" id="{1720D469-08C3-4880-BCDB-C1A9E9095135}"/>
+                </a:ext>
+              </a:extLst>
+            </p:cNvPr>
+            <p:cNvSpPr/>
+            <p:nvPr/>
+          </p:nvSpPr>
+          <p:spPr>
+            <a:xfrm>
+              <a:off x="6012160" y="1268760"/>
+              <a:ext cx="720080" cy="720080"/>
+            </a:xfrm>
+            <a:prstGeom prst="rtTriangle">
+              <a:avLst/>
+            </a:prstGeom>
+            <a:grpFill/>
+            <a:ln>
+              <a:solidFill>
+                <a:schemeClr val="tx1"/>
+              </a:solidFill>
+            </a:ln>
+          </p:spPr>
+          <p:style>
+            <a:lnRef idx="2">
+              <a:schemeClr val="accent1">
+                <a:shade val="50000"/>
+              </a:schemeClr>
+            </a:lnRef>
+            <a:fillRef idx="1">
+              <a:schemeClr val="accent1"/>
+            </a:fillRef>
+            <a:effectRef idx="0">
+              <a:schemeClr val="accent1"/>
+            </a:effectRef>
+            <a:fontRef idx="minor">
+              <a:schemeClr val="lt1"/>
+            </a:fontRef>
+          </p:style>
+          <p:txBody>
+            <a:bodyPr rtlCol="0" anchor="ctr"/>
+            <a:lstStyle/>
+            <a:p>
+              <a:pPr algn="ctr"/>
+              <a:endParaRPr kumimoji="1" lang="ja-JP" altLang="en-US"/>
+            </a:p>
+          </p:txBody>
+        </p:sp>
+      </p:grpSp>
+      <p:cxnSp>
+        <p:nvCxnSpPr>
+          <p:cNvPr id="47" name="コネクタ: カギ線 46">
+            <a:extLst>
+              <a:ext uri="{FF2B5EF4-FFF2-40B4-BE49-F238E27FC236}">
+                <a16:creationId xmlns:a16="http://schemas.microsoft.com/office/drawing/2014/main" id="{E0A5085A-2AA8-4D5E-8872-0A12DD373ACB}"/>
+              </a:ext>
+            </a:extLst>
+          </p:cNvPr>
+          <p:cNvCxnSpPr>
+            <a:stCxn id="31" idx="2"/>
+            <a:endCxn id="40" idx="3"/>
+          </p:cNvCxnSpPr>
+          <p:nvPr/>
+        </p:nvCxnSpPr>
+        <p:spPr>
+          <a:xfrm rot="16200000" flipH="1">
+            <a:off x="2305210" y="4474578"/>
+            <a:ext cx="204098" cy="729081"/>
+          </a:xfrm>
+          <a:prstGeom prst="bentConnector3">
+            <a:avLst/>
+          </a:prstGeom>
+          <a:ln w="12700">
+            <a:solidFill>
+              <a:schemeClr val="tx1"/>
+            </a:solidFill>
+          </a:ln>
+        </p:spPr>
+        <p:style>
+          <a:lnRef idx="1">
+            <a:schemeClr val="accent1"/>
+          </a:lnRef>
+          <a:fillRef idx="0">
+            <a:schemeClr val="accent1"/>
+          </a:fillRef>
+          <a:effectRef idx="0">
+            <a:schemeClr val="accent1"/>
+          </a:effectRef>
+          <a:fontRef idx="minor">
+            <a:schemeClr val="tx1"/>
+          </a:fontRef>
+        </p:style>
+      </p:cxnSp>
+      <p:sp>
+        <p:nvSpPr>
+          <p:cNvPr id="48" name="テキスト ボックス 47">
+            <a:extLst>
+              <a:ext uri="{FF2B5EF4-FFF2-40B4-BE49-F238E27FC236}">
+                <a16:creationId xmlns:a16="http://schemas.microsoft.com/office/drawing/2014/main" id="{6C6E6663-3168-4487-A3C6-FE61F597ADC6}"/>
+              </a:ext>
+            </a:extLst>
+          </p:cNvPr>
+          <p:cNvSpPr txBox="1"/>
+          <p:nvPr/>
+        </p:nvSpPr>
+        <p:spPr>
+          <a:xfrm>
+            <a:off x="1547664" y="5517232"/>
+            <a:ext cx="944489" cy="369332"/>
+          </a:xfrm>
+          <a:prstGeom prst="rect">
+            <a:avLst/>
+          </a:prstGeom>
+          <a:noFill/>
+        </p:spPr>
+        <p:txBody>
+          <a:bodyPr wrap="none" rtlCol="0">
+            <a:spAutoFit/>
+          </a:bodyPr>
+          <a:lstStyle/>
+          <a:p>
+            <a:r>
+              <a:rPr lang="en-US">
+                <a:latin typeface="Consolas" panose="020B0609020204030204" pitchFamily="49" charset="0"/>
+              </a:rPr>
+              <a:t>file_a</a:t>
+            </a:r>
+          </a:p>
+        </p:txBody>
+      </p:sp>
+      <p:sp>
+        <p:nvSpPr>
+          <p:cNvPr id="49" name="テキスト ボックス 48">
+            <a:extLst>
+              <a:ext uri="{FF2B5EF4-FFF2-40B4-BE49-F238E27FC236}">
+                <a16:creationId xmlns:a16="http://schemas.microsoft.com/office/drawing/2014/main" id="{58E6C6D2-6B15-4DD4-B0CB-32F5EC09BB57}"/>
+              </a:ext>
+            </a:extLst>
+          </p:cNvPr>
+          <p:cNvSpPr txBox="1"/>
+          <p:nvPr/>
+        </p:nvSpPr>
+        <p:spPr>
+          <a:xfrm>
+            <a:off x="2411760" y="5517232"/>
+            <a:ext cx="944489" cy="369332"/>
+          </a:xfrm>
+          <a:prstGeom prst="rect">
+            <a:avLst/>
+          </a:prstGeom>
+          <a:noFill/>
+        </p:spPr>
+        <p:txBody>
+          <a:bodyPr wrap="none" rtlCol="0">
+            <a:spAutoFit/>
+          </a:bodyPr>
+          <a:lstStyle/>
+          <a:p>
+            <a:r>
+              <a:rPr lang="en-US">
+                <a:latin typeface="Consolas" panose="020B0609020204030204" pitchFamily="49" charset="0"/>
+              </a:rPr>
+              <a:t>file_b</a:t>
+            </a:r>
+          </a:p>
+        </p:txBody>
+      </p:sp>
+      <p:pic>
+        <p:nvPicPr>
+          <p:cNvPr id="50" name="Picture 2" descr="フォルダのイラスト">
+            <a:extLst>
+              <a:ext uri="{FF2B5EF4-FFF2-40B4-BE49-F238E27FC236}">
+                <a16:creationId xmlns:a16="http://schemas.microsoft.com/office/drawing/2014/main" id="{4F120931-7304-45DE-BA9F-CB92796727E1}"/>
+              </a:ext>
+            </a:extLst>
+          </p:cNvPr>
+          <p:cNvPicPr>
+            <a:picLocks noChangeAspect="1" noChangeArrowheads="1"/>
+          </p:cNvPicPr>
+          <p:nvPr/>
+        </p:nvPicPr>
+        <p:blipFill>
+          <a:blip r:embed="rId2" cstate="print">
+            <a:extLst>
+              <a:ext uri="{28A0092B-C50C-407E-A947-70E740481C1C}">
+                <a14:useLocalDpi xmlns:a14="http://schemas.microsoft.com/office/drawing/2010/main" val="0"/>
+              </a:ext>
+            </a:extLst>
+          </a:blip>
+          <a:srcRect/>
+          <a:stretch>
+            <a:fillRect/>
+          </a:stretch>
+        </p:blipFill>
+        <p:spPr bwMode="auto">
+          <a:xfrm>
+            <a:off x="3923928" y="4149080"/>
+            <a:ext cx="702078" cy="587990"/>
+          </a:xfrm>
+          <a:prstGeom prst="rect">
+            <a:avLst/>
+          </a:prstGeom>
+          <a:noFill/>
+          <a:extLst>
+            <a:ext uri="{909E8E84-426E-40DD-AFC4-6F175D3DCCD1}">
+              <a14:hiddenFill xmlns:a14="http://schemas.microsoft.com/office/drawing/2010/main">
+                <a:solidFill>
+                  <a:srgbClr val="FFFFFF"/>
+                </a:solidFill>
+              </a14:hiddenFill>
+            </a:ext>
+          </a:extLst>
+        </p:spPr>
+      </p:pic>
+      <p:grpSp>
+        <p:nvGrpSpPr>
+          <p:cNvPr id="51" name="グループ化 50">
+            <a:extLst>
+              <a:ext uri="{FF2B5EF4-FFF2-40B4-BE49-F238E27FC236}">
+                <a16:creationId xmlns:a16="http://schemas.microsoft.com/office/drawing/2014/main" id="{D3E0C7C7-73DE-4EFF-9701-B0C5C58601E9}"/>
+              </a:ext>
+            </a:extLst>
+          </p:cNvPr>
+          <p:cNvGrpSpPr/>
+          <p:nvPr/>
+        </p:nvGrpSpPr>
+        <p:grpSpPr>
+          <a:xfrm>
+            <a:off x="4062611" y="4941168"/>
+            <a:ext cx="432048" cy="540060"/>
+            <a:chOff x="3851920" y="1268760"/>
+            <a:chExt cx="2880320" cy="3600400"/>
+          </a:xfrm>
+        </p:grpSpPr>
+        <p:sp>
+          <p:nvSpPr>
+            <p:cNvPr id="52" name="1 つの角を切り取った四角形 47">
+              <a:extLst>
+                <a:ext uri="{FF2B5EF4-FFF2-40B4-BE49-F238E27FC236}">
+                  <a16:creationId xmlns:a16="http://schemas.microsoft.com/office/drawing/2014/main" id="{CFF3876F-9D53-47F6-A5F8-0B7FF570C86B}"/>
+                </a:ext>
+              </a:extLst>
+            </p:cNvPr>
+            <p:cNvSpPr/>
+            <p:nvPr/>
+          </p:nvSpPr>
+          <p:spPr>
+            <a:xfrm>
+              <a:off x="3851920" y="1268760"/>
+              <a:ext cx="2880320" cy="3600400"/>
+            </a:xfrm>
+            <a:prstGeom prst="snip1Rect">
+              <a:avLst>
+                <a:gd name="adj" fmla="val 24949"/>
+              </a:avLst>
+            </a:prstGeom>
+            <a:solidFill>
+              <a:schemeClr val="bg1"/>
+            </a:solidFill>
+            <a:ln>
+              <a:solidFill>
+                <a:schemeClr val="tx1"/>
+              </a:solidFill>
+            </a:ln>
+          </p:spPr>
+          <p:style>
+            <a:lnRef idx="2">
+              <a:schemeClr val="accent1">
+                <a:shade val="50000"/>
+              </a:schemeClr>
+            </a:lnRef>
+            <a:fillRef idx="1">
+              <a:schemeClr val="accent1"/>
+            </a:fillRef>
+            <a:effectRef idx="0">
+              <a:schemeClr val="accent1"/>
+            </a:effectRef>
+            <a:fontRef idx="minor">
+              <a:schemeClr val="lt1"/>
+            </a:fontRef>
+          </p:style>
+          <p:txBody>
+            <a:bodyPr rtlCol="0" anchor="ctr"/>
+            <a:lstStyle/>
+            <a:p>
+              <a:pPr algn="ctr"/>
+              <a:endParaRPr kumimoji="1" lang="ja-JP" altLang="en-US"/>
+            </a:p>
+          </p:txBody>
+        </p:sp>
+        <p:sp>
+          <p:nvSpPr>
+            <p:cNvPr id="53" name="直角三角形 52">
+              <a:extLst>
+                <a:ext uri="{FF2B5EF4-FFF2-40B4-BE49-F238E27FC236}">
+                  <a16:creationId xmlns:a16="http://schemas.microsoft.com/office/drawing/2014/main" id="{2D208D11-83E0-4A76-AAE6-190710F0B54A}"/>
+                </a:ext>
+              </a:extLst>
+            </p:cNvPr>
+            <p:cNvSpPr/>
+            <p:nvPr/>
+          </p:nvSpPr>
+          <p:spPr>
+            <a:xfrm>
+              <a:off x="6012160" y="1268760"/>
+              <a:ext cx="720080" cy="720080"/>
+            </a:xfrm>
+            <a:prstGeom prst="rtTriangle">
+              <a:avLst/>
+            </a:prstGeom>
+            <a:solidFill>
+              <a:schemeClr val="bg1">
+                <a:lumMod val="85000"/>
+              </a:schemeClr>
+            </a:solidFill>
+            <a:ln>
+              <a:solidFill>
+                <a:schemeClr val="tx1"/>
+              </a:solidFill>
+            </a:ln>
+          </p:spPr>
+          <p:style>
+            <a:lnRef idx="2">
+              <a:schemeClr val="accent1">
+                <a:shade val="50000"/>
+              </a:schemeClr>
+            </a:lnRef>
+            <a:fillRef idx="1">
+              <a:schemeClr val="accent1"/>
+            </a:fillRef>
+            <a:effectRef idx="0">
+              <a:schemeClr val="accent1"/>
+            </a:effectRef>
+            <a:fontRef idx="minor">
+              <a:schemeClr val="lt1"/>
+            </a:fontRef>
+          </p:style>
+          <p:txBody>
+            <a:bodyPr rtlCol="0" anchor="ctr"/>
+            <a:lstStyle/>
+            <a:p>
+              <a:pPr algn="ctr"/>
+              <a:endParaRPr kumimoji="1" lang="ja-JP" altLang="en-US"/>
+            </a:p>
+          </p:txBody>
+        </p:sp>
+      </p:grpSp>
+      <p:cxnSp>
+        <p:nvCxnSpPr>
+          <p:cNvPr id="54" name="直線コネクタ 53">
+            <a:extLst>
+              <a:ext uri="{FF2B5EF4-FFF2-40B4-BE49-F238E27FC236}">
+                <a16:creationId xmlns:a16="http://schemas.microsoft.com/office/drawing/2014/main" id="{9A70D126-9555-4733-8116-9BF7B05A8EDD}"/>
+              </a:ext>
+            </a:extLst>
+          </p:cNvPr>
+          <p:cNvCxnSpPr>
+            <a:cxnSpLocks/>
+            <a:stCxn id="50" idx="2"/>
+            <a:endCxn id="52" idx="3"/>
+          </p:cNvCxnSpPr>
+          <p:nvPr/>
+        </p:nvCxnSpPr>
+        <p:spPr>
+          <a:xfrm>
+            <a:off x="4274967" y="4737070"/>
+            <a:ext cx="3668" cy="204098"/>
+          </a:xfrm>
+          <a:prstGeom prst="line">
+            <a:avLst/>
+          </a:prstGeom>
+          <a:ln>
+            <a:solidFill>
+              <a:schemeClr val="tx1"/>
+            </a:solidFill>
+            <a:headEnd type="none" w="med" len="med"/>
+            <a:tailEnd type="none" w="med" len="med"/>
+          </a:ln>
+        </p:spPr>
+        <p:style>
+          <a:lnRef idx="1">
+            <a:schemeClr val="accent1"/>
+          </a:lnRef>
+          <a:fillRef idx="0">
+            <a:schemeClr val="accent1"/>
+          </a:fillRef>
+          <a:effectRef idx="0">
+            <a:schemeClr val="accent1"/>
+          </a:effectRef>
+          <a:fontRef idx="minor">
+            <a:schemeClr val="tx1"/>
+          </a:fontRef>
+        </p:style>
+      </p:cxnSp>
+      <p:grpSp>
+        <p:nvGrpSpPr>
+          <p:cNvPr id="55" name="グループ化 54">
+            <a:extLst>
+              <a:ext uri="{FF2B5EF4-FFF2-40B4-BE49-F238E27FC236}">
+                <a16:creationId xmlns:a16="http://schemas.microsoft.com/office/drawing/2014/main" id="{42F638AD-36D5-42D1-BDB3-3E31117C1CE7}"/>
+              </a:ext>
+            </a:extLst>
+          </p:cNvPr>
+          <p:cNvGrpSpPr/>
+          <p:nvPr/>
+        </p:nvGrpSpPr>
+        <p:grpSpPr>
+          <a:xfrm>
+            <a:off x="4788024" y="4941168"/>
+            <a:ext cx="432048" cy="540060"/>
+            <a:chOff x="3851920" y="1268760"/>
+            <a:chExt cx="2880320" cy="3600400"/>
+          </a:xfrm>
+          <a:solidFill>
+            <a:schemeClr val="accent1">
+              <a:lumMod val="20000"/>
+              <a:lumOff val="80000"/>
+            </a:schemeClr>
+          </a:solidFill>
+        </p:grpSpPr>
+        <p:sp>
+          <p:nvSpPr>
+            <p:cNvPr id="56" name="1 つの角を切り取った四角形 33">
+              <a:extLst>
+                <a:ext uri="{FF2B5EF4-FFF2-40B4-BE49-F238E27FC236}">
+                  <a16:creationId xmlns:a16="http://schemas.microsoft.com/office/drawing/2014/main" id="{BCBD2199-E253-41C5-995A-65E47E63D0D2}"/>
+                </a:ext>
+              </a:extLst>
+            </p:cNvPr>
+            <p:cNvSpPr/>
+            <p:nvPr/>
+          </p:nvSpPr>
+          <p:spPr>
+            <a:xfrm>
+              <a:off x="3851920" y="1268760"/>
+              <a:ext cx="2880320" cy="3600400"/>
+            </a:xfrm>
+            <a:prstGeom prst="snip1Rect">
+              <a:avLst>
+                <a:gd name="adj" fmla="val 24949"/>
+              </a:avLst>
+            </a:prstGeom>
+            <a:grpFill/>
+            <a:ln>
+              <a:solidFill>
+                <a:schemeClr val="tx1"/>
+              </a:solidFill>
+            </a:ln>
+          </p:spPr>
+          <p:style>
+            <a:lnRef idx="2">
+              <a:schemeClr val="accent1">
+                <a:shade val="50000"/>
+              </a:schemeClr>
+            </a:lnRef>
+            <a:fillRef idx="1">
+              <a:schemeClr val="accent1"/>
+            </a:fillRef>
+            <a:effectRef idx="0">
+              <a:schemeClr val="accent1"/>
+            </a:effectRef>
+            <a:fontRef idx="minor">
+              <a:schemeClr val="lt1"/>
+            </a:fontRef>
+          </p:style>
+          <p:txBody>
+            <a:bodyPr rtlCol="0" anchor="ctr"/>
+            <a:lstStyle/>
+            <a:p>
+              <a:pPr algn="ctr"/>
+              <a:endParaRPr kumimoji="1" lang="ja-JP" altLang="en-US"/>
+            </a:p>
+          </p:txBody>
+        </p:sp>
+        <p:sp>
+          <p:nvSpPr>
+            <p:cNvPr id="57" name="直角三角形 56">
+              <a:extLst>
+                <a:ext uri="{FF2B5EF4-FFF2-40B4-BE49-F238E27FC236}">
+                  <a16:creationId xmlns:a16="http://schemas.microsoft.com/office/drawing/2014/main" id="{4BEC29D0-0A3B-4E9D-8385-C36304108FFE}"/>
+                </a:ext>
+              </a:extLst>
+            </p:cNvPr>
+            <p:cNvSpPr/>
+            <p:nvPr/>
+          </p:nvSpPr>
+          <p:spPr>
+            <a:xfrm>
+              <a:off x="6012160" y="1268760"/>
+              <a:ext cx="720080" cy="720080"/>
+            </a:xfrm>
+            <a:prstGeom prst="rtTriangle">
+              <a:avLst/>
+            </a:prstGeom>
+            <a:grpFill/>
+            <a:ln>
+              <a:solidFill>
+                <a:schemeClr val="tx1"/>
+              </a:solidFill>
+            </a:ln>
+          </p:spPr>
+          <p:style>
+            <a:lnRef idx="2">
+              <a:schemeClr val="accent1">
+                <a:shade val="50000"/>
+              </a:schemeClr>
+            </a:lnRef>
+            <a:fillRef idx="1">
+              <a:schemeClr val="accent1"/>
+            </a:fillRef>
+            <a:effectRef idx="0">
+              <a:schemeClr val="accent1"/>
+            </a:effectRef>
+            <a:fontRef idx="minor">
+              <a:schemeClr val="lt1"/>
+            </a:fontRef>
+          </p:style>
+          <p:txBody>
+            <a:bodyPr rtlCol="0" anchor="ctr"/>
+            <a:lstStyle/>
+            <a:p>
+              <a:pPr algn="ctr"/>
+              <a:endParaRPr kumimoji="1" lang="ja-JP" altLang="en-US"/>
+            </a:p>
+          </p:txBody>
+        </p:sp>
+      </p:grpSp>
+      <p:cxnSp>
+        <p:nvCxnSpPr>
+          <p:cNvPr id="58" name="コネクタ: カギ線 57">
+            <a:extLst>
+              <a:ext uri="{FF2B5EF4-FFF2-40B4-BE49-F238E27FC236}">
+                <a16:creationId xmlns:a16="http://schemas.microsoft.com/office/drawing/2014/main" id="{7AA34C8B-9518-47C3-90D7-74CFDF55AECB}"/>
+              </a:ext>
+            </a:extLst>
+          </p:cNvPr>
+          <p:cNvCxnSpPr>
+            <a:stCxn id="50" idx="2"/>
+            <a:endCxn id="56" idx="3"/>
+          </p:cNvCxnSpPr>
+          <p:nvPr/>
+        </p:nvCxnSpPr>
+        <p:spPr>
+          <a:xfrm rot="16200000" flipH="1">
+            <a:off x="4537458" y="4474578"/>
+            <a:ext cx="204098" cy="729081"/>
+          </a:xfrm>
+          <a:prstGeom prst="bentConnector3">
+            <a:avLst/>
+          </a:prstGeom>
+          <a:ln w="12700">
+            <a:solidFill>
+              <a:schemeClr val="tx1"/>
+            </a:solidFill>
+          </a:ln>
+        </p:spPr>
+        <p:style>
+          <a:lnRef idx="1">
+            <a:schemeClr val="accent1"/>
+          </a:lnRef>
+          <a:fillRef idx="0">
+            <a:schemeClr val="accent1"/>
+          </a:fillRef>
+          <a:effectRef idx="0">
+            <a:schemeClr val="accent1"/>
+          </a:effectRef>
+          <a:fontRef idx="minor">
+            <a:schemeClr val="tx1"/>
+          </a:fontRef>
+        </p:style>
+      </p:cxnSp>
+      <p:sp>
+        <p:nvSpPr>
+          <p:cNvPr id="59" name="テキスト ボックス 58">
+            <a:extLst>
+              <a:ext uri="{FF2B5EF4-FFF2-40B4-BE49-F238E27FC236}">
+                <a16:creationId xmlns:a16="http://schemas.microsoft.com/office/drawing/2014/main" id="{2A99D1C9-E9BF-4DF2-BB98-6C3D2E7A1C16}"/>
+              </a:ext>
+            </a:extLst>
+          </p:cNvPr>
+          <p:cNvSpPr txBox="1"/>
+          <p:nvPr/>
+        </p:nvSpPr>
+        <p:spPr>
+          <a:xfrm>
+            <a:off x="3779912" y="5517232"/>
+            <a:ext cx="944489" cy="369332"/>
+          </a:xfrm>
+          <a:prstGeom prst="rect">
+            <a:avLst/>
+          </a:prstGeom>
+          <a:noFill/>
+        </p:spPr>
+        <p:txBody>
+          <a:bodyPr wrap="none" rtlCol="0">
+            <a:spAutoFit/>
+          </a:bodyPr>
+          <a:lstStyle/>
+          <a:p>
+            <a:r>
+              <a:rPr lang="en-US">
+                <a:latin typeface="Consolas" panose="020B0609020204030204" pitchFamily="49" charset="0"/>
+              </a:rPr>
+              <a:t>file_a</a:t>
+            </a:r>
+          </a:p>
+        </p:txBody>
+      </p:sp>
+      <p:sp>
+        <p:nvSpPr>
+          <p:cNvPr id="60" name="テキスト ボックス 59">
+            <a:extLst>
+              <a:ext uri="{FF2B5EF4-FFF2-40B4-BE49-F238E27FC236}">
+                <a16:creationId xmlns:a16="http://schemas.microsoft.com/office/drawing/2014/main" id="{9FE4E594-0786-4D96-9CC3-07357E8CF638}"/>
+              </a:ext>
+            </a:extLst>
+          </p:cNvPr>
+          <p:cNvSpPr txBox="1"/>
+          <p:nvPr/>
+        </p:nvSpPr>
+        <p:spPr>
+          <a:xfrm>
+            <a:off x="4644008" y="5517232"/>
+            <a:ext cx="944489" cy="369332"/>
+          </a:xfrm>
+          <a:prstGeom prst="rect">
+            <a:avLst/>
+          </a:prstGeom>
+          <a:noFill/>
+        </p:spPr>
+        <p:txBody>
+          <a:bodyPr wrap="none" rtlCol="0">
+            <a:spAutoFit/>
+          </a:bodyPr>
+          <a:lstStyle/>
+          <a:p>
+            <a:r>
+              <a:rPr lang="en-US">
+                <a:latin typeface="Consolas" panose="020B0609020204030204" pitchFamily="49" charset="0"/>
+              </a:rPr>
+              <a:t>file_b</a:t>
+            </a:r>
+          </a:p>
+        </p:txBody>
+      </p:sp>
+      <p:sp>
+        <p:nvSpPr>
+          <p:cNvPr id="61" name="矢印: 下 60">
+            <a:extLst>
+              <a:ext uri="{FF2B5EF4-FFF2-40B4-BE49-F238E27FC236}">
+                <a16:creationId xmlns:a16="http://schemas.microsoft.com/office/drawing/2014/main" id="{30A5C445-C96A-4C33-A75B-7A1123BC8B76}"/>
+              </a:ext>
+            </a:extLst>
+          </p:cNvPr>
+          <p:cNvSpPr/>
+          <p:nvPr/>
+        </p:nvSpPr>
+        <p:spPr>
+          <a:xfrm>
+            <a:off x="3995936" y="2924944"/>
+            <a:ext cx="576064" cy="648072"/>
+          </a:xfrm>
+          <a:prstGeom prst="downArrow">
+            <a:avLst/>
+          </a:prstGeom>
+          <a:solidFill>
+            <a:srgbClr val="FF0000"/>
+          </a:solidFill>
+          <a:ln>
+            <a:solidFill>
+              <a:schemeClr val="tx1"/>
+            </a:solidFill>
+          </a:ln>
+        </p:spPr>
+        <p:style>
+          <a:lnRef idx="2">
+            <a:schemeClr val="accent1">
+              <a:shade val="50000"/>
+            </a:schemeClr>
+          </a:lnRef>
+          <a:fillRef idx="1">
+            <a:schemeClr val="accent1"/>
+          </a:fillRef>
+          <a:effectRef idx="0">
+            <a:schemeClr val="accent1"/>
+          </a:effectRef>
+          <a:fontRef idx="minor">
+            <a:schemeClr val="lt1"/>
+          </a:fontRef>
+        </p:style>
+        <p:txBody>
+          <a:bodyPr rtlCol="0" anchor="ctr"/>
+          <a:lstStyle/>
+          <a:p>
+            <a:pPr algn="ctr"/>
+            <a:endParaRPr kumimoji="1" lang="en-US"/>
+          </a:p>
+        </p:txBody>
+      </p:sp>
+      <p:cxnSp>
+        <p:nvCxnSpPr>
+          <p:cNvPr id="62" name="コネクタ: カギ線 61">
+            <a:extLst>
+              <a:ext uri="{FF2B5EF4-FFF2-40B4-BE49-F238E27FC236}">
+                <a16:creationId xmlns:a16="http://schemas.microsoft.com/office/drawing/2014/main" id="{98466B63-BCF1-4F28-BC08-71BDA9CD7218}"/>
+              </a:ext>
+            </a:extLst>
+          </p:cNvPr>
+          <p:cNvCxnSpPr>
+            <a:stCxn id="49" idx="2"/>
+            <a:endCxn id="60" idx="2"/>
+          </p:cNvCxnSpPr>
+          <p:nvPr/>
+        </p:nvCxnSpPr>
+        <p:spPr>
+          <a:xfrm rot="16200000" flipH="1">
+            <a:off x="4000129" y="4770440"/>
+            <a:ext cx="12700" cy="2232248"/>
+          </a:xfrm>
+          <a:prstGeom prst="bentConnector3">
+            <a:avLst>
+              <a:gd name="adj1" fmla="val 1800000"/>
+            </a:avLst>
+          </a:prstGeom>
+          <a:ln w="12700">
+            <a:solidFill>
+              <a:srgbClr val="FF0000"/>
+            </a:solidFill>
+            <a:tailEnd type="triangle"/>
+          </a:ln>
+        </p:spPr>
+        <p:style>
+          <a:lnRef idx="1">
+            <a:schemeClr val="accent1"/>
+          </a:lnRef>
+          <a:fillRef idx="0">
+            <a:schemeClr val="accent1"/>
+          </a:fillRef>
+          <a:effectRef idx="0">
+            <a:schemeClr val="accent1"/>
+          </a:effectRef>
+          <a:fontRef idx="minor">
+            <a:schemeClr val="tx1"/>
+          </a:fontRef>
+        </p:style>
+      </p:cxnSp>
+      <p:pic>
+        <p:nvPicPr>
+          <p:cNvPr id="66" name="Picture 2" descr="フォルダのイラスト">
+            <a:extLst>
+              <a:ext uri="{FF2B5EF4-FFF2-40B4-BE49-F238E27FC236}">
+                <a16:creationId xmlns:a16="http://schemas.microsoft.com/office/drawing/2014/main" id="{AD78E9A3-C40A-4EAC-AFBD-88E1127855BB}"/>
+              </a:ext>
+            </a:extLst>
+          </p:cNvPr>
+          <p:cNvPicPr>
+            <a:picLocks noChangeAspect="1" noChangeArrowheads="1"/>
+          </p:cNvPicPr>
+          <p:nvPr/>
+        </p:nvPicPr>
+        <p:blipFill>
+          <a:blip r:embed="rId2" cstate="print">
+            <a:extLst>
+              <a:ext uri="{28A0092B-C50C-407E-A947-70E740481C1C}">
+                <a14:useLocalDpi xmlns:a14="http://schemas.microsoft.com/office/drawing/2010/main" val="0"/>
+              </a:ext>
+            </a:extLst>
+          </a:blip>
+          <a:srcRect/>
+          <a:stretch>
+            <a:fillRect/>
+          </a:stretch>
+        </p:blipFill>
+        <p:spPr bwMode="auto">
+          <a:xfrm>
+            <a:off x="3779912" y="1196752"/>
+            <a:ext cx="702078" cy="587990"/>
+          </a:xfrm>
+          <a:prstGeom prst="rect">
+            <a:avLst/>
+          </a:prstGeom>
+          <a:noFill/>
+          <a:extLst>
+            <a:ext uri="{909E8E84-426E-40DD-AFC4-6F175D3DCCD1}">
+              <a14:hiddenFill xmlns:a14="http://schemas.microsoft.com/office/drawing/2010/main">
+                <a:solidFill>
+                  <a:srgbClr val="FFFFFF"/>
+                </a:solidFill>
+              </a14:hiddenFill>
+            </a:ext>
+          </a:extLst>
+        </p:spPr>
+      </p:pic>
+      <p:grpSp>
+        <p:nvGrpSpPr>
+          <p:cNvPr id="67" name="グループ化 66">
+            <a:extLst>
+              <a:ext uri="{FF2B5EF4-FFF2-40B4-BE49-F238E27FC236}">
+                <a16:creationId xmlns:a16="http://schemas.microsoft.com/office/drawing/2014/main" id="{3D8141FE-FDAB-402C-B500-E357BA35258D}"/>
+              </a:ext>
+            </a:extLst>
+          </p:cNvPr>
+          <p:cNvGrpSpPr/>
+          <p:nvPr/>
+        </p:nvGrpSpPr>
+        <p:grpSpPr>
+          <a:xfrm>
+            <a:off x="3918595" y="1988840"/>
+            <a:ext cx="432048" cy="540060"/>
+            <a:chOff x="3851920" y="1268760"/>
+            <a:chExt cx="2880320" cy="3600400"/>
+          </a:xfrm>
+        </p:grpSpPr>
+        <p:sp>
+          <p:nvSpPr>
+            <p:cNvPr id="68" name="1 つの角を切り取った四角形 47">
+              <a:extLst>
+                <a:ext uri="{FF2B5EF4-FFF2-40B4-BE49-F238E27FC236}">
+                  <a16:creationId xmlns:a16="http://schemas.microsoft.com/office/drawing/2014/main" id="{190162F6-C124-4661-BEE3-8845EF02EADE}"/>
+                </a:ext>
+              </a:extLst>
+            </p:cNvPr>
+            <p:cNvSpPr/>
+            <p:nvPr/>
+          </p:nvSpPr>
+          <p:spPr>
+            <a:xfrm>
+              <a:off x="3851920" y="1268760"/>
+              <a:ext cx="2880320" cy="3600400"/>
+            </a:xfrm>
+            <a:prstGeom prst="snip1Rect">
+              <a:avLst>
+                <a:gd name="adj" fmla="val 24949"/>
+              </a:avLst>
+            </a:prstGeom>
+            <a:solidFill>
+              <a:schemeClr val="bg1"/>
+            </a:solidFill>
+            <a:ln>
+              <a:solidFill>
+                <a:schemeClr val="tx1"/>
+              </a:solidFill>
+            </a:ln>
+          </p:spPr>
+          <p:style>
+            <a:lnRef idx="2">
+              <a:schemeClr val="accent1">
+                <a:shade val="50000"/>
+              </a:schemeClr>
+            </a:lnRef>
+            <a:fillRef idx="1">
+              <a:schemeClr val="accent1"/>
+            </a:fillRef>
+            <a:effectRef idx="0">
+              <a:schemeClr val="accent1"/>
+            </a:effectRef>
+            <a:fontRef idx="minor">
+              <a:schemeClr val="lt1"/>
+            </a:fontRef>
+          </p:style>
+          <p:txBody>
+            <a:bodyPr rtlCol="0" anchor="ctr"/>
+            <a:lstStyle/>
+            <a:p>
+              <a:pPr algn="ctr"/>
+              <a:endParaRPr kumimoji="1" lang="ja-JP" altLang="en-US"/>
+            </a:p>
+          </p:txBody>
+        </p:sp>
+        <p:sp>
+          <p:nvSpPr>
+            <p:cNvPr id="69" name="直角三角形 68">
+              <a:extLst>
+                <a:ext uri="{FF2B5EF4-FFF2-40B4-BE49-F238E27FC236}">
+                  <a16:creationId xmlns:a16="http://schemas.microsoft.com/office/drawing/2014/main" id="{2B6E511E-86BE-42EF-A7A8-028D8BC81CA8}"/>
+                </a:ext>
+              </a:extLst>
+            </p:cNvPr>
+            <p:cNvSpPr/>
+            <p:nvPr/>
+          </p:nvSpPr>
+          <p:spPr>
+            <a:xfrm>
+              <a:off x="6012160" y="1268760"/>
+              <a:ext cx="720080" cy="720080"/>
+            </a:xfrm>
+            <a:prstGeom prst="rtTriangle">
+              <a:avLst/>
+            </a:prstGeom>
+            <a:solidFill>
+              <a:schemeClr val="bg1">
+                <a:lumMod val="85000"/>
+              </a:schemeClr>
+            </a:solidFill>
+            <a:ln>
+              <a:solidFill>
+                <a:schemeClr val="tx1"/>
+              </a:solidFill>
+            </a:ln>
+          </p:spPr>
+          <p:style>
+            <a:lnRef idx="2">
+              <a:schemeClr val="accent1">
+                <a:shade val="50000"/>
+              </a:schemeClr>
+            </a:lnRef>
+            <a:fillRef idx="1">
+              <a:schemeClr val="accent1"/>
+            </a:fillRef>
+            <a:effectRef idx="0">
+              <a:schemeClr val="accent1"/>
+            </a:effectRef>
+            <a:fontRef idx="minor">
+              <a:schemeClr val="lt1"/>
+            </a:fontRef>
+          </p:style>
+          <p:txBody>
+            <a:bodyPr rtlCol="0" anchor="ctr"/>
+            <a:lstStyle/>
+            <a:p>
+              <a:pPr algn="ctr"/>
+              <a:endParaRPr kumimoji="1" lang="ja-JP" altLang="en-US"/>
+            </a:p>
+          </p:txBody>
+        </p:sp>
+      </p:grpSp>
+      <p:cxnSp>
+        <p:nvCxnSpPr>
+          <p:cNvPr id="70" name="直線コネクタ 69">
+            <a:extLst>
+              <a:ext uri="{FF2B5EF4-FFF2-40B4-BE49-F238E27FC236}">
+                <a16:creationId xmlns:a16="http://schemas.microsoft.com/office/drawing/2014/main" id="{CA5B575F-A3F4-45C0-B011-AF505DA4B315}"/>
+              </a:ext>
+            </a:extLst>
+          </p:cNvPr>
+          <p:cNvCxnSpPr>
+            <a:cxnSpLocks/>
+            <a:stCxn id="66" idx="2"/>
+            <a:endCxn id="68" idx="3"/>
+          </p:cNvCxnSpPr>
+          <p:nvPr/>
+        </p:nvCxnSpPr>
+        <p:spPr>
+          <a:xfrm>
+            <a:off x="4130951" y="1784742"/>
+            <a:ext cx="3668" cy="204098"/>
+          </a:xfrm>
+          <a:prstGeom prst="line">
+            <a:avLst/>
+          </a:prstGeom>
+          <a:ln>
+            <a:solidFill>
+              <a:schemeClr val="tx1"/>
+            </a:solidFill>
+            <a:headEnd type="none" w="med" len="med"/>
+            <a:tailEnd type="none" w="med" len="med"/>
+          </a:ln>
+        </p:spPr>
+        <p:style>
+          <a:lnRef idx="1">
+            <a:schemeClr val="accent1"/>
+          </a:lnRef>
+          <a:fillRef idx="0">
+            <a:schemeClr val="accent1"/>
+          </a:fillRef>
+          <a:effectRef idx="0">
+            <a:schemeClr val="accent1"/>
+          </a:effectRef>
+          <a:fontRef idx="minor">
+            <a:schemeClr val="tx1"/>
+          </a:fontRef>
+        </p:style>
+      </p:cxnSp>
+      <p:grpSp>
+        <p:nvGrpSpPr>
+          <p:cNvPr id="71" name="グループ化 70">
+            <a:extLst>
+              <a:ext uri="{FF2B5EF4-FFF2-40B4-BE49-F238E27FC236}">
+                <a16:creationId xmlns:a16="http://schemas.microsoft.com/office/drawing/2014/main" id="{C3FA2847-810D-4B2A-AE93-8474375B3FB5}"/>
+              </a:ext>
+            </a:extLst>
+          </p:cNvPr>
+          <p:cNvGrpSpPr/>
+          <p:nvPr/>
+        </p:nvGrpSpPr>
+        <p:grpSpPr>
+          <a:xfrm>
+            <a:off x="4644008" y="1988840"/>
+            <a:ext cx="432048" cy="540060"/>
+            <a:chOff x="3851920" y="1268760"/>
+            <a:chExt cx="2880320" cy="3600400"/>
+          </a:xfrm>
+          <a:solidFill>
+            <a:schemeClr val="bg1"/>
+          </a:solidFill>
+        </p:grpSpPr>
+        <p:sp>
+          <p:nvSpPr>
+            <p:cNvPr id="72" name="1 つの角を切り取った四角形 33">
+              <a:extLst>
+                <a:ext uri="{FF2B5EF4-FFF2-40B4-BE49-F238E27FC236}">
+                  <a16:creationId xmlns:a16="http://schemas.microsoft.com/office/drawing/2014/main" id="{2A659A40-E688-480E-B9B1-509A38C7E73C}"/>
+                </a:ext>
+              </a:extLst>
+            </p:cNvPr>
+            <p:cNvSpPr/>
+            <p:nvPr/>
+          </p:nvSpPr>
+          <p:spPr>
+            <a:xfrm>
+              <a:off x="3851920" y="1268760"/>
+              <a:ext cx="2880320" cy="3600400"/>
+            </a:xfrm>
+            <a:prstGeom prst="snip1Rect">
+              <a:avLst>
+                <a:gd name="adj" fmla="val 24949"/>
+              </a:avLst>
+            </a:prstGeom>
+            <a:grpFill/>
+            <a:ln>
+              <a:solidFill>
+                <a:schemeClr val="tx1"/>
+              </a:solidFill>
+            </a:ln>
+          </p:spPr>
+          <p:style>
+            <a:lnRef idx="2">
+              <a:schemeClr val="accent1">
+                <a:shade val="50000"/>
+              </a:schemeClr>
+            </a:lnRef>
+            <a:fillRef idx="1">
+              <a:schemeClr val="accent1"/>
+            </a:fillRef>
+            <a:effectRef idx="0">
+              <a:schemeClr val="accent1"/>
+            </a:effectRef>
+            <a:fontRef idx="minor">
+              <a:schemeClr val="lt1"/>
+            </a:fontRef>
+          </p:style>
+          <p:txBody>
+            <a:bodyPr rtlCol="0" anchor="ctr"/>
+            <a:lstStyle/>
+            <a:p>
+              <a:pPr algn="ctr"/>
+              <a:endParaRPr kumimoji="1" lang="ja-JP" altLang="en-US"/>
+            </a:p>
+          </p:txBody>
+        </p:sp>
+        <p:sp>
+          <p:nvSpPr>
+            <p:cNvPr id="73" name="直角三角形 72">
+              <a:extLst>
+                <a:ext uri="{FF2B5EF4-FFF2-40B4-BE49-F238E27FC236}">
+                  <a16:creationId xmlns:a16="http://schemas.microsoft.com/office/drawing/2014/main" id="{D2080F7B-ED76-496B-8B61-0B8EC5491C2A}"/>
+                </a:ext>
+              </a:extLst>
+            </p:cNvPr>
+            <p:cNvSpPr/>
+            <p:nvPr/>
+          </p:nvSpPr>
+          <p:spPr>
+            <a:xfrm>
+              <a:off x="6012160" y="1268760"/>
+              <a:ext cx="720080" cy="720080"/>
+            </a:xfrm>
+            <a:prstGeom prst="rtTriangle">
+              <a:avLst/>
+            </a:prstGeom>
+            <a:grpFill/>
+            <a:ln>
+              <a:solidFill>
+                <a:schemeClr val="tx1"/>
+              </a:solidFill>
+            </a:ln>
+          </p:spPr>
+          <p:style>
+            <a:lnRef idx="2">
+              <a:schemeClr val="accent1">
+                <a:shade val="50000"/>
+              </a:schemeClr>
+            </a:lnRef>
+            <a:fillRef idx="1">
+              <a:schemeClr val="accent1"/>
+            </a:fillRef>
+            <a:effectRef idx="0">
+              <a:schemeClr val="accent1"/>
+            </a:effectRef>
+            <a:fontRef idx="minor">
+              <a:schemeClr val="lt1"/>
+            </a:fontRef>
+          </p:style>
+          <p:txBody>
+            <a:bodyPr rtlCol="0" anchor="ctr"/>
+            <a:lstStyle/>
+            <a:p>
+              <a:pPr algn="ctr"/>
+              <a:endParaRPr kumimoji="1" lang="ja-JP" altLang="en-US"/>
+            </a:p>
+          </p:txBody>
+        </p:sp>
+      </p:grpSp>
+      <p:cxnSp>
+        <p:nvCxnSpPr>
+          <p:cNvPr id="74" name="コネクタ: カギ線 73">
+            <a:extLst>
+              <a:ext uri="{FF2B5EF4-FFF2-40B4-BE49-F238E27FC236}">
+                <a16:creationId xmlns:a16="http://schemas.microsoft.com/office/drawing/2014/main" id="{E5FF31D9-5215-4AE9-99E9-2E9A835C886B}"/>
+              </a:ext>
+            </a:extLst>
+          </p:cNvPr>
+          <p:cNvCxnSpPr>
+            <a:stCxn id="66" idx="2"/>
+            <a:endCxn id="72" idx="3"/>
+          </p:cNvCxnSpPr>
+          <p:nvPr/>
+        </p:nvCxnSpPr>
+        <p:spPr>
+          <a:xfrm rot="16200000" flipH="1">
+            <a:off x="4393442" y="1522250"/>
+            <a:ext cx="204098" cy="729081"/>
+          </a:xfrm>
+          <a:prstGeom prst="bentConnector3">
+            <a:avLst/>
+          </a:prstGeom>
+          <a:ln w="12700">
+            <a:solidFill>
+              <a:schemeClr val="tx1"/>
+            </a:solidFill>
+          </a:ln>
+        </p:spPr>
+        <p:style>
+          <a:lnRef idx="1">
+            <a:schemeClr val="accent1"/>
+          </a:lnRef>
+          <a:fillRef idx="0">
+            <a:schemeClr val="accent1"/>
+          </a:fillRef>
+          <a:effectRef idx="0">
+            <a:schemeClr val="accent1"/>
+          </a:effectRef>
+          <a:fontRef idx="minor">
+            <a:schemeClr val="tx1"/>
+          </a:fontRef>
+        </p:style>
+      </p:cxnSp>
+      <p:pic>
+        <p:nvPicPr>
+          <p:cNvPr id="75" name="Picture 2" descr="フォルダのイラスト">
+            <a:extLst>
+              <a:ext uri="{FF2B5EF4-FFF2-40B4-BE49-F238E27FC236}">
+                <a16:creationId xmlns:a16="http://schemas.microsoft.com/office/drawing/2014/main" id="{782E75F4-34A6-4EAF-9E17-4F30A00E9722}"/>
+              </a:ext>
+            </a:extLst>
+          </p:cNvPr>
+          <p:cNvPicPr>
+            <a:picLocks noChangeAspect="1" noChangeArrowheads="1"/>
+          </p:cNvPicPr>
+          <p:nvPr/>
+        </p:nvPicPr>
+        <p:blipFill>
+          <a:blip r:embed="rId2" cstate="print">
+            <a:extLst>
+              <a:ext uri="{28A0092B-C50C-407E-A947-70E740481C1C}">
+                <a14:useLocalDpi xmlns:a14="http://schemas.microsoft.com/office/drawing/2010/main" val="0"/>
+              </a:ext>
+            </a:extLst>
+          </a:blip>
+          <a:srcRect/>
+          <a:stretch>
+            <a:fillRect/>
+          </a:stretch>
+        </p:blipFill>
+        <p:spPr bwMode="auto">
+          <a:xfrm>
+            <a:off x="5868144" y="1196752"/>
+            <a:ext cx="702078" cy="587990"/>
+          </a:xfrm>
+          <a:prstGeom prst="rect">
+            <a:avLst/>
+          </a:prstGeom>
+          <a:noFill/>
+          <a:extLst>
+            <a:ext uri="{909E8E84-426E-40DD-AFC4-6F175D3DCCD1}">
+              <a14:hiddenFill xmlns:a14="http://schemas.microsoft.com/office/drawing/2010/main">
+                <a:solidFill>
+                  <a:srgbClr val="FFFFFF"/>
+                </a:solidFill>
+              </a14:hiddenFill>
+            </a:ext>
+          </a:extLst>
+        </p:spPr>
+      </p:pic>
+      <p:grpSp>
+        <p:nvGrpSpPr>
+          <p:cNvPr id="76" name="グループ化 75">
+            <a:extLst>
+              <a:ext uri="{FF2B5EF4-FFF2-40B4-BE49-F238E27FC236}">
+                <a16:creationId xmlns:a16="http://schemas.microsoft.com/office/drawing/2014/main" id="{45F3FA86-232D-4209-88F5-A4B5E2CE5DE1}"/>
+              </a:ext>
+            </a:extLst>
+          </p:cNvPr>
+          <p:cNvGrpSpPr/>
+          <p:nvPr/>
+        </p:nvGrpSpPr>
+        <p:grpSpPr>
+          <a:xfrm>
+            <a:off x="6006827" y="1988840"/>
+            <a:ext cx="432048" cy="540060"/>
+            <a:chOff x="3851920" y="1268760"/>
+            <a:chExt cx="2880320" cy="3600400"/>
+          </a:xfrm>
+        </p:grpSpPr>
+        <p:sp>
+          <p:nvSpPr>
+            <p:cNvPr id="77" name="1 つの角を切り取った四角形 47">
+              <a:extLst>
+                <a:ext uri="{FF2B5EF4-FFF2-40B4-BE49-F238E27FC236}">
+                  <a16:creationId xmlns:a16="http://schemas.microsoft.com/office/drawing/2014/main" id="{41A4E997-6E70-481F-97EC-EC820EE39089}"/>
+                </a:ext>
+              </a:extLst>
+            </p:cNvPr>
+            <p:cNvSpPr/>
+            <p:nvPr/>
+          </p:nvSpPr>
+          <p:spPr>
+            <a:xfrm>
+              <a:off x="3851920" y="1268760"/>
+              <a:ext cx="2880320" cy="3600400"/>
+            </a:xfrm>
+            <a:prstGeom prst="snip1Rect">
+              <a:avLst>
+                <a:gd name="adj" fmla="val 24949"/>
+              </a:avLst>
+            </a:prstGeom>
+            <a:solidFill>
+              <a:schemeClr val="bg1"/>
+            </a:solidFill>
+            <a:ln>
+              <a:solidFill>
+                <a:schemeClr val="tx1"/>
+              </a:solidFill>
+            </a:ln>
+          </p:spPr>
+          <p:style>
+            <a:lnRef idx="2">
+              <a:schemeClr val="accent1">
+                <a:shade val="50000"/>
+              </a:schemeClr>
+            </a:lnRef>
+            <a:fillRef idx="1">
+              <a:schemeClr val="accent1"/>
+            </a:fillRef>
+            <a:effectRef idx="0">
+              <a:schemeClr val="accent1"/>
+            </a:effectRef>
+            <a:fontRef idx="minor">
+              <a:schemeClr val="lt1"/>
+            </a:fontRef>
+          </p:style>
+          <p:txBody>
+            <a:bodyPr rtlCol="0" anchor="ctr"/>
+            <a:lstStyle/>
+            <a:p>
+              <a:pPr algn="ctr"/>
+              <a:endParaRPr kumimoji="1" lang="ja-JP" altLang="en-US"/>
+            </a:p>
+          </p:txBody>
+        </p:sp>
+        <p:sp>
+          <p:nvSpPr>
+            <p:cNvPr id="78" name="直角三角形 77">
+              <a:extLst>
+                <a:ext uri="{FF2B5EF4-FFF2-40B4-BE49-F238E27FC236}">
+                  <a16:creationId xmlns:a16="http://schemas.microsoft.com/office/drawing/2014/main" id="{A1B4F2FF-AD1B-470A-8416-5EC4E11755CC}"/>
+                </a:ext>
+              </a:extLst>
+            </p:cNvPr>
+            <p:cNvSpPr/>
+            <p:nvPr/>
+          </p:nvSpPr>
+          <p:spPr>
+            <a:xfrm>
+              <a:off x="6012160" y="1268760"/>
+              <a:ext cx="720080" cy="720080"/>
+            </a:xfrm>
+            <a:prstGeom prst="rtTriangle">
+              <a:avLst/>
+            </a:prstGeom>
+            <a:solidFill>
+              <a:schemeClr val="bg1">
+                <a:lumMod val="85000"/>
+              </a:schemeClr>
+            </a:solidFill>
+            <a:ln>
+              <a:solidFill>
+                <a:schemeClr val="tx1"/>
+              </a:solidFill>
+            </a:ln>
+          </p:spPr>
+          <p:style>
+            <a:lnRef idx="2">
+              <a:schemeClr val="accent1">
+                <a:shade val="50000"/>
+              </a:schemeClr>
+            </a:lnRef>
+            <a:fillRef idx="1">
+              <a:schemeClr val="accent1"/>
+            </a:fillRef>
+            <a:effectRef idx="0">
+              <a:schemeClr val="accent1"/>
+            </a:effectRef>
+            <a:fontRef idx="minor">
+              <a:schemeClr val="lt1"/>
+            </a:fontRef>
+          </p:style>
+          <p:txBody>
+            <a:bodyPr rtlCol="0" anchor="ctr"/>
+            <a:lstStyle/>
+            <a:p>
+              <a:pPr algn="ctr"/>
+              <a:endParaRPr kumimoji="1" lang="ja-JP" altLang="en-US"/>
+            </a:p>
+          </p:txBody>
+        </p:sp>
+      </p:grpSp>
+      <p:cxnSp>
+        <p:nvCxnSpPr>
+          <p:cNvPr id="79" name="直線コネクタ 78">
+            <a:extLst>
+              <a:ext uri="{FF2B5EF4-FFF2-40B4-BE49-F238E27FC236}">
+                <a16:creationId xmlns:a16="http://schemas.microsoft.com/office/drawing/2014/main" id="{6751FCC3-099C-434F-BD54-A88897FE5D79}"/>
+              </a:ext>
+            </a:extLst>
+          </p:cNvPr>
+          <p:cNvCxnSpPr>
+            <a:cxnSpLocks/>
+            <a:stCxn id="75" idx="2"/>
+            <a:endCxn id="77" idx="3"/>
+          </p:cNvCxnSpPr>
+          <p:nvPr/>
+        </p:nvCxnSpPr>
+        <p:spPr>
+          <a:xfrm>
+            <a:off x="6219183" y="1784742"/>
+            <a:ext cx="3668" cy="204098"/>
+          </a:xfrm>
+          <a:prstGeom prst="line">
+            <a:avLst/>
+          </a:prstGeom>
+          <a:ln>
+            <a:solidFill>
+              <a:schemeClr val="tx1"/>
+            </a:solidFill>
+            <a:headEnd type="none" w="med" len="med"/>
+            <a:tailEnd type="none" w="med" len="med"/>
+          </a:ln>
+        </p:spPr>
+        <p:style>
+          <a:lnRef idx="1">
+            <a:schemeClr val="accent1"/>
+          </a:lnRef>
+          <a:fillRef idx="0">
+            <a:schemeClr val="accent1"/>
+          </a:fillRef>
+          <a:effectRef idx="0">
+            <a:schemeClr val="accent1"/>
+          </a:effectRef>
+          <a:fontRef idx="minor">
+            <a:schemeClr val="tx1"/>
+          </a:fontRef>
+        </p:style>
+      </p:cxnSp>
+      <p:grpSp>
+        <p:nvGrpSpPr>
+          <p:cNvPr id="80" name="グループ化 79">
+            <a:extLst>
+              <a:ext uri="{FF2B5EF4-FFF2-40B4-BE49-F238E27FC236}">
+                <a16:creationId xmlns:a16="http://schemas.microsoft.com/office/drawing/2014/main" id="{49415644-18FA-4C49-BA13-B8BD1FFE5701}"/>
+              </a:ext>
+            </a:extLst>
+          </p:cNvPr>
+          <p:cNvGrpSpPr/>
+          <p:nvPr/>
+        </p:nvGrpSpPr>
+        <p:grpSpPr>
+          <a:xfrm>
+            <a:off x="6732240" y="1988840"/>
+            <a:ext cx="432048" cy="540060"/>
+            <a:chOff x="3851920" y="1268760"/>
+            <a:chExt cx="2880320" cy="3600400"/>
+          </a:xfrm>
+          <a:solidFill>
+            <a:schemeClr val="bg1"/>
+          </a:solidFill>
+        </p:grpSpPr>
+        <p:sp>
+          <p:nvSpPr>
+            <p:cNvPr id="81" name="1 つの角を切り取った四角形 33">
+              <a:extLst>
+                <a:ext uri="{FF2B5EF4-FFF2-40B4-BE49-F238E27FC236}">
+                  <a16:creationId xmlns:a16="http://schemas.microsoft.com/office/drawing/2014/main" id="{B93B1BF2-1CAC-4155-81E6-CC23B5A10A88}"/>
+                </a:ext>
+              </a:extLst>
+            </p:cNvPr>
+            <p:cNvSpPr/>
+            <p:nvPr/>
+          </p:nvSpPr>
+          <p:spPr>
+            <a:xfrm>
+              <a:off x="3851920" y="1268760"/>
+              <a:ext cx="2880320" cy="3600400"/>
+            </a:xfrm>
+            <a:prstGeom prst="snip1Rect">
+              <a:avLst>
+                <a:gd name="adj" fmla="val 24949"/>
+              </a:avLst>
+            </a:prstGeom>
+            <a:grpFill/>
+            <a:ln>
+              <a:solidFill>
+                <a:schemeClr val="tx1"/>
+              </a:solidFill>
+            </a:ln>
+          </p:spPr>
+          <p:style>
+            <a:lnRef idx="2">
+              <a:schemeClr val="accent1">
+                <a:shade val="50000"/>
+              </a:schemeClr>
+            </a:lnRef>
+            <a:fillRef idx="1">
+              <a:schemeClr val="accent1"/>
+            </a:fillRef>
+            <a:effectRef idx="0">
+              <a:schemeClr val="accent1"/>
+            </a:effectRef>
+            <a:fontRef idx="minor">
+              <a:schemeClr val="lt1"/>
+            </a:fontRef>
+          </p:style>
+          <p:txBody>
+            <a:bodyPr rtlCol="0" anchor="ctr"/>
+            <a:lstStyle/>
+            <a:p>
+              <a:pPr algn="ctr"/>
+              <a:endParaRPr kumimoji="1" lang="ja-JP" altLang="en-US"/>
+            </a:p>
+          </p:txBody>
+        </p:sp>
+        <p:sp>
+          <p:nvSpPr>
+            <p:cNvPr id="82" name="直角三角形 81">
+              <a:extLst>
+                <a:ext uri="{FF2B5EF4-FFF2-40B4-BE49-F238E27FC236}">
+                  <a16:creationId xmlns:a16="http://schemas.microsoft.com/office/drawing/2014/main" id="{648E6AC0-4FA9-4C0D-A89F-9EFDB7C78981}"/>
+                </a:ext>
+              </a:extLst>
+            </p:cNvPr>
+            <p:cNvSpPr/>
+            <p:nvPr/>
+          </p:nvSpPr>
+          <p:spPr>
+            <a:xfrm>
+              <a:off x="6012160" y="1268760"/>
+              <a:ext cx="720080" cy="720080"/>
+            </a:xfrm>
+            <a:prstGeom prst="rtTriangle">
+              <a:avLst/>
+            </a:prstGeom>
+            <a:grpFill/>
+            <a:ln>
+              <a:solidFill>
+                <a:schemeClr val="tx1"/>
+              </a:solidFill>
+            </a:ln>
+          </p:spPr>
+          <p:style>
+            <a:lnRef idx="2">
+              <a:schemeClr val="accent1">
+                <a:shade val="50000"/>
+              </a:schemeClr>
+            </a:lnRef>
+            <a:fillRef idx="1">
+              <a:schemeClr val="accent1"/>
+            </a:fillRef>
+            <a:effectRef idx="0">
+              <a:schemeClr val="accent1"/>
+            </a:effectRef>
+            <a:fontRef idx="minor">
+              <a:schemeClr val="lt1"/>
+            </a:fontRef>
+          </p:style>
+          <p:txBody>
+            <a:bodyPr rtlCol="0" anchor="ctr"/>
+            <a:lstStyle/>
+            <a:p>
+              <a:pPr algn="ctr"/>
+              <a:endParaRPr kumimoji="1" lang="ja-JP" altLang="en-US"/>
+            </a:p>
+          </p:txBody>
+        </p:sp>
+      </p:grpSp>
+      <p:cxnSp>
+        <p:nvCxnSpPr>
+          <p:cNvPr id="83" name="コネクタ: カギ線 82">
+            <a:extLst>
+              <a:ext uri="{FF2B5EF4-FFF2-40B4-BE49-F238E27FC236}">
+                <a16:creationId xmlns:a16="http://schemas.microsoft.com/office/drawing/2014/main" id="{69D90601-11B0-4E83-922B-7EFCD2EEB3C7}"/>
+              </a:ext>
+            </a:extLst>
+          </p:cNvPr>
+          <p:cNvCxnSpPr>
+            <a:stCxn id="75" idx="2"/>
+            <a:endCxn id="81" idx="3"/>
+          </p:cNvCxnSpPr>
+          <p:nvPr/>
+        </p:nvCxnSpPr>
+        <p:spPr>
+          <a:xfrm rot="16200000" flipH="1">
+            <a:off x="6481674" y="1522250"/>
+            <a:ext cx="204098" cy="729081"/>
+          </a:xfrm>
+          <a:prstGeom prst="bentConnector3">
+            <a:avLst/>
+          </a:prstGeom>
+          <a:ln w="12700">
+            <a:solidFill>
+              <a:schemeClr val="tx1"/>
+            </a:solidFill>
+          </a:ln>
+        </p:spPr>
+        <p:style>
+          <a:lnRef idx="1">
+            <a:schemeClr val="accent1"/>
+          </a:lnRef>
+          <a:fillRef idx="0">
+            <a:schemeClr val="accent1"/>
+          </a:fillRef>
+          <a:effectRef idx="0">
+            <a:schemeClr val="accent1"/>
+          </a:effectRef>
+          <a:fontRef idx="minor">
+            <a:schemeClr val="tx1"/>
+          </a:fontRef>
+        </p:style>
+      </p:cxnSp>
+      <p:pic>
+        <p:nvPicPr>
+          <p:cNvPr id="84" name="Picture 2" descr="フォルダのイラスト">
+            <a:extLst>
+              <a:ext uri="{FF2B5EF4-FFF2-40B4-BE49-F238E27FC236}">
+                <a16:creationId xmlns:a16="http://schemas.microsoft.com/office/drawing/2014/main" id="{10D7F5F3-8880-4364-9329-C87B0E0E6350}"/>
+              </a:ext>
+            </a:extLst>
+          </p:cNvPr>
+          <p:cNvPicPr>
+            <a:picLocks noChangeAspect="1" noChangeArrowheads="1"/>
+          </p:cNvPicPr>
+          <p:nvPr/>
+        </p:nvPicPr>
+        <p:blipFill>
+          <a:blip r:embed="rId2" cstate="print">
+            <a:extLst>
+              <a:ext uri="{28A0092B-C50C-407E-A947-70E740481C1C}">
+                <a14:useLocalDpi xmlns:a14="http://schemas.microsoft.com/office/drawing/2010/main" val="0"/>
+              </a:ext>
+            </a:extLst>
+          </a:blip>
+          <a:srcRect/>
+          <a:stretch>
+            <a:fillRect/>
+          </a:stretch>
+        </p:blipFill>
+        <p:spPr bwMode="auto">
+          <a:xfrm>
+            <a:off x="5940152" y="4149080"/>
+            <a:ext cx="702078" cy="587990"/>
+          </a:xfrm>
+          <a:prstGeom prst="rect">
+            <a:avLst/>
+          </a:prstGeom>
+          <a:noFill/>
+          <a:extLst>
+            <a:ext uri="{909E8E84-426E-40DD-AFC4-6F175D3DCCD1}">
+              <a14:hiddenFill xmlns:a14="http://schemas.microsoft.com/office/drawing/2010/main">
+                <a:solidFill>
+                  <a:srgbClr val="FFFFFF"/>
+                </a:solidFill>
+              </a14:hiddenFill>
+            </a:ext>
+          </a:extLst>
+        </p:spPr>
+      </p:pic>
+      <p:grpSp>
+        <p:nvGrpSpPr>
+          <p:cNvPr id="85" name="グループ化 84">
+            <a:extLst>
+              <a:ext uri="{FF2B5EF4-FFF2-40B4-BE49-F238E27FC236}">
+                <a16:creationId xmlns:a16="http://schemas.microsoft.com/office/drawing/2014/main" id="{E7E3CC42-325A-477F-A68D-55CBAC8A6BBB}"/>
+              </a:ext>
+            </a:extLst>
+          </p:cNvPr>
+          <p:cNvGrpSpPr/>
+          <p:nvPr/>
+        </p:nvGrpSpPr>
+        <p:grpSpPr>
+          <a:xfrm>
+            <a:off x="6078835" y="4941168"/>
+            <a:ext cx="432048" cy="540060"/>
+            <a:chOff x="3851920" y="1268760"/>
+            <a:chExt cx="2880320" cy="3600400"/>
+          </a:xfrm>
+        </p:grpSpPr>
+        <p:sp>
+          <p:nvSpPr>
+            <p:cNvPr id="86" name="1 つの角を切り取った四角形 47">
+              <a:extLst>
+                <a:ext uri="{FF2B5EF4-FFF2-40B4-BE49-F238E27FC236}">
+                  <a16:creationId xmlns:a16="http://schemas.microsoft.com/office/drawing/2014/main" id="{EA0CE88B-07D9-4C05-942C-85133C42E2B2}"/>
+                </a:ext>
+              </a:extLst>
+            </p:cNvPr>
+            <p:cNvSpPr/>
+            <p:nvPr/>
+          </p:nvSpPr>
+          <p:spPr>
+            <a:xfrm>
+              <a:off x="3851920" y="1268760"/>
+              <a:ext cx="2880320" cy="3600400"/>
+            </a:xfrm>
+            <a:prstGeom prst="snip1Rect">
+              <a:avLst>
+                <a:gd name="adj" fmla="val 24949"/>
+              </a:avLst>
+            </a:prstGeom>
+            <a:solidFill>
+              <a:schemeClr val="bg1"/>
+            </a:solidFill>
+            <a:ln>
+              <a:solidFill>
+                <a:schemeClr val="tx1"/>
+              </a:solidFill>
+            </a:ln>
+          </p:spPr>
+          <p:style>
+            <a:lnRef idx="2">
+              <a:schemeClr val="accent1">
+                <a:shade val="50000"/>
+              </a:schemeClr>
+            </a:lnRef>
+            <a:fillRef idx="1">
+              <a:schemeClr val="accent1"/>
+            </a:fillRef>
+            <a:effectRef idx="0">
+              <a:schemeClr val="accent1"/>
+            </a:effectRef>
+            <a:fontRef idx="minor">
+              <a:schemeClr val="lt1"/>
+            </a:fontRef>
+          </p:style>
+          <p:txBody>
+            <a:bodyPr rtlCol="0" anchor="ctr"/>
+            <a:lstStyle/>
+            <a:p>
+              <a:pPr algn="ctr"/>
+              <a:endParaRPr kumimoji="1" lang="ja-JP" altLang="en-US"/>
+            </a:p>
+          </p:txBody>
+        </p:sp>
+        <p:sp>
+          <p:nvSpPr>
+            <p:cNvPr id="87" name="直角三角形 86">
+              <a:extLst>
+                <a:ext uri="{FF2B5EF4-FFF2-40B4-BE49-F238E27FC236}">
+                  <a16:creationId xmlns:a16="http://schemas.microsoft.com/office/drawing/2014/main" id="{EE66ADD8-91D7-425F-A1E5-231B57044A4A}"/>
+                </a:ext>
+              </a:extLst>
+            </p:cNvPr>
+            <p:cNvSpPr/>
+            <p:nvPr/>
+          </p:nvSpPr>
+          <p:spPr>
+            <a:xfrm>
+              <a:off x="6012160" y="1268760"/>
+              <a:ext cx="720080" cy="720080"/>
+            </a:xfrm>
+            <a:prstGeom prst="rtTriangle">
+              <a:avLst/>
+            </a:prstGeom>
+            <a:solidFill>
+              <a:schemeClr val="bg1">
+                <a:lumMod val="85000"/>
+              </a:schemeClr>
+            </a:solidFill>
+            <a:ln>
+              <a:solidFill>
+                <a:schemeClr val="tx1"/>
+              </a:solidFill>
+            </a:ln>
+          </p:spPr>
+          <p:style>
+            <a:lnRef idx="2">
+              <a:schemeClr val="accent1">
+                <a:shade val="50000"/>
+              </a:schemeClr>
+            </a:lnRef>
+            <a:fillRef idx="1">
+              <a:schemeClr val="accent1"/>
+            </a:fillRef>
+            <a:effectRef idx="0">
+              <a:schemeClr val="accent1"/>
+            </a:effectRef>
+            <a:fontRef idx="minor">
+              <a:schemeClr val="lt1"/>
+            </a:fontRef>
+          </p:style>
+          <p:txBody>
+            <a:bodyPr rtlCol="0" anchor="ctr"/>
+            <a:lstStyle/>
+            <a:p>
+              <a:pPr algn="ctr"/>
+              <a:endParaRPr kumimoji="1" lang="ja-JP" altLang="en-US"/>
+            </a:p>
+          </p:txBody>
+        </p:sp>
+      </p:grpSp>
+      <p:cxnSp>
+        <p:nvCxnSpPr>
+          <p:cNvPr id="88" name="直線コネクタ 87">
+            <a:extLst>
+              <a:ext uri="{FF2B5EF4-FFF2-40B4-BE49-F238E27FC236}">
+                <a16:creationId xmlns:a16="http://schemas.microsoft.com/office/drawing/2014/main" id="{AA9DE305-2CBF-4838-86BB-2FD0738E2E89}"/>
+              </a:ext>
+            </a:extLst>
+          </p:cNvPr>
+          <p:cNvCxnSpPr>
+            <a:cxnSpLocks/>
+            <a:stCxn id="84" idx="2"/>
+            <a:endCxn id="86" idx="3"/>
+          </p:cNvCxnSpPr>
+          <p:nvPr/>
+        </p:nvCxnSpPr>
+        <p:spPr>
+          <a:xfrm>
+            <a:off x="6291191" y="4737070"/>
+            <a:ext cx="3668" cy="204098"/>
+          </a:xfrm>
+          <a:prstGeom prst="line">
+            <a:avLst/>
+          </a:prstGeom>
+          <a:ln>
+            <a:solidFill>
+              <a:schemeClr val="tx1"/>
+            </a:solidFill>
+            <a:headEnd type="none" w="med" len="med"/>
+            <a:tailEnd type="none" w="med" len="med"/>
+          </a:ln>
+        </p:spPr>
+        <p:style>
+          <a:lnRef idx="1">
+            <a:schemeClr val="accent1"/>
+          </a:lnRef>
+          <a:fillRef idx="0">
+            <a:schemeClr val="accent1"/>
+          </a:fillRef>
+          <a:effectRef idx="0">
+            <a:schemeClr val="accent1"/>
+          </a:effectRef>
+          <a:fontRef idx="minor">
+            <a:schemeClr val="tx1"/>
+          </a:fontRef>
+        </p:style>
+      </p:cxnSp>
+      <p:grpSp>
+        <p:nvGrpSpPr>
+          <p:cNvPr id="89" name="グループ化 88">
+            <a:extLst>
+              <a:ext uri="{FF2B5EF4-FFF2-40B4-BE49-F238E27FC236}">
+                <a16:creationId xmlns:a16="http://schemas.microsoft.com/office/drawing/2014/main" id="{07EC53EC-310E-4B07-A168-953F210EF513}"/>
+              </a:ext>
+            </a:extLst>
+          </p:cNvPr>
+          <p:cNvGrpSpPr/>
+          <p:nvPr/>
+        </p:nvGrpSpPr>
+        <p:grpSpPr>
+          <a:xfrm>
+            <a:off x="6804248" y="4941168"/>
+            <a:ext cx="432048" cy="540060"/>
+            <a:chOff x="3851920" y="1268760"/>
+            <a:chExt cx="2880320" cy="3600400"/>
+          </a:xfrm>
+          <a:solidFill>
+            <a:schemeClr val="bg1"/>
+          </a:solidFill>
+        </p:grpSpPr>
+        <p:sp>
+          <p:nvSpPr>
+            <p:cNvPr id="90" name="1 つの角を切り取った四角形 33">
+              <a:extLst>
+                <a:ext uri="{FF2B5EF4-FFF2-40B4-BE49-F238E27FC236}">
+                  <a16:creationId xmlns:a16="http://schemas.microsoft.com/office/drawing/2014/main" id="{7880B9BC-251E-4FFB-88B0-B8656B178355}"/>
+                </a:ext>
+              </a:extLst>
+            </p:cNvPr>
+            <p:cNvSpPr/>
+            <p:nvPr/>
+          </p:nvSpPr>
+          <p:spPr>
+            <a:xfrm>
+              <a:off x="3851920" y="1268760"/>
+              <a:ext cx="2880320" cy="3600400"/>
+            </a:xfrm>
+            <a:prstGeom prst="snip1Rect">
+              <a:avLst>
+                <a:gd name="adj" fmla="val 24949"/>
+              </a:avLst>
+            </a:prstGeom>
+            <a:grpFill/>
+            <a:ln>
+              <a:solidFill>
+                <a:schemeClr val="tx1"/>
+              </a:solidFill>
+            </a:ln>
+          </p:spPr>
+          <p:style>
+            <a:lnRef idx="2">
+              <a:schemeClr val="accent1">
+                <a:shade val="50000"/>
+              </a:schemeClr>
+            </a:lnRef>
+            <a:fillRef idx="1">
+              <a:schemeClr val="accent1"/>
+            </a:fillRef>
+            <a:effectRef idx="0">
+              <a:schemeClr val="accent1"/>
+            </a:effectRef>
+            <a:fontRef idx="minor">
+              <a:schemeClr val="lt1"/>
+            </a:fontRef>
+          </p:style>
+          <p:txBody>
+            <a:bodyPr rtlCol="0" anchor="ctr"/>
+            <a:lstStyle/>
+            <a:p>
+              <a:pPr algn="ctr"/>
+              <a:endParaRPr kumimoji="1" lang="ja-JP" altLang="en-US"/>
+            </a:p>
+          </p:txBody>
+        </p:sp>
+        <p:sp>
+          <p:nvSpPr>
+            <p:cNvPr id="91" name="直角三角形 90">
+              <a:extLst>
+                <a:ext uri="{FF2B5EF4-FFF2-40B4-BE49-F238E27FC236}">
+                  <a16:creationId xmlns:a16="http://schemas.microsoft.com/office/drawing/2014/main" id="{AA8DD377-D119-45D2-B180-D29DB7258EFB}"/>
+                </a:ext>
+              </a:extLst>
+            </p:cNvPr>
+            <p:cNvSpPr/>
+            <p:nvPr/>
+          </p:nvSpPr>
+          <p:spPr>
+            <a:xfrm>
+              <a:off x="6012160" y="1268760"/>
+              <a:ext cx="720080" cy="720080"/>
+            </a:xfrm>
+            <a:prstGeom prst="rtTriangle">
+              <a:avLst/>
+            </a:prstGeom>
+            <a:grpFill/>
+            <a:ln>
+              <a:solidFill>
+                <a:schemeClr val="tx1"/>
+              </a:solidFill>
+            </a:ln>
+          </p:spPr>
+          <p:style>
+            <a:lnRef idx="2">
+              <a:schemeClr val="accent1">
+                <a:shade val="50000"/>
+              </a:schemeClr>
+            </a:lnRef>
+            <a:fillRef idx="1">
+              <a:schemeClr val="accent1"/>
+            </a:fillRef>
+            <a:effectRef idx="0">
+              <a:schemeClr val="accent1"/>
+            </a:effectRef>
+            <a:fontRef idx="minor">
+              <a:schemeClr val="lt1"/>
+            </a:fontRef>
+          </p:style>
+          <p:txBody>
+            <a:bodyPr rtlCol="0" anchor="ctr"/>
+            <a:lstStyle/>
+            <a:p>
+              <a:pPr algn="ctr"/>
+              <a:endParaRPr kumimoji="1" lang="ja-JP" altLang="en-US"/>
+            </a:p>
+          </p:txBody>
+        </p:sp>
+      </p:grpSp>
+      <p:cxnSp>
+        <p:nvCxnSpPr>
+          <p:cNvPr id="92" name="コネクタ: カギ線 91">
+            <a:extLst>
+              <a:ext uri="{FF2B5EF4-FFF2-40B4-BE49-F238E27FC236}">
+                <a16:creationId xmlns:a16="http://schemas.microsoft.com/office/drawing/2014/main" id="{13479140-C769-44BF-A245-11256AC0E92B}"/>
+              </a:ext>
+            </a:extLst>
+          </p:cNvPr>
+          <p:cNvCxnSpPr>
+            <a:stCxn id="84" idx="2"/>
+            <a:endCxn id="90" idx="3"/>
+          </p:cNvCxnSpPr>
+          <p:nvPr/>
+        </p:nvCxnSpPr>
+        <p:spPr>
+          <a:xfrm rot="16200000" flipH="1">
+            <a:off x="6553682" y="4474578"/>
+            <a:ext cx="204098" cy="729081"/>
+          </a:xfrm>
+          <a:prstGeom prst="bentConnector3">
+            <a:avLst/>
+          </a:prstGeom>
+          <a:ln w="12700">
+            <a:solidFill>
+              <a:schemeClr val="tx1"/>
+            </a:solidFill>
+          </a:ln>
+        </p:spPr>
+        <p:style>
+          <a:lnRef idx="1">
+            <a:schemeClr val="accent1"/>
+          </a:lnRef>
+          <a:fillRef idx="0">
+            <a:schemeClr val="accent1"/>
+          </a:fillRef>
+          <a:effectRef idx="0">
+            <a:schemeClr val="accent1"/>
+          </a:effectRef>
+          <a:fontRef idx="minor">
+            <a:schemeClr val="tx1"/>
+          </a:fontRef>
+        </p:style>
+      </p:cxnSp>
+      <p:sp>
+        <p:nvSpPr>
+          <p:cNvPr id="93" name="テキスト ボックス 92">
+            <a:extLst>
+              <a:ext uri="{FF2B5EF4-FFF2-40B4-BE49-F238E27FC236}">
+                <a16:creationId xmlns:a16="http://schemas.microsoft.com/office/drawing/2014/main" id="{837791C8-5AB9-436C-8BA9-7DCDD441FD52}"/>
+              </a:ext>
+            </a:extLst>
+          </p:cNvPr>
+          <p:cNvSpPr txBox="1"/>
+          <p:nvPr/>
+        </p:nvSpPr>
+        <p:spPr>
+          <a:xfrm>
+            <a:off x="2483768" y="6309320"/>
+            <a:ext cx="3816424" cy="369332"/>
+          </a:xfrm>
+          <a:prstGeom prst="rect">
+            <a:avLst/>
+          </a:prstGeom>
+          <a:noFill/>
+        </p:spPr>
+        <p:txBody>
+          <a:bodyPr wrap="square" rtlCol="0">
+            <a:spAutoFit/>
+          </a:bodyPr>
+          <a:lstStyle/>
+          <a:p>
+            <a:r>
+              <a:rPr lang="ja-JP" altLang="en-US"/>
+              <a:t>ファイルが存在するなら上書き</a:t>
+            </a:r>
+            <a:endParaRPr lang="en-US"/>
+          </a:p>
+        </p:txBody>
+      </p:sp>
+    </p:spTree>
+    <p:extLst>
+      <p:ext uri="{BB962C8B-B14F-4D97-AF65-F5344CB8AC3E}">
+        <p14:creationId xmlns:p14="http://schemas.microsoft.com/office/powerpoint/2010/main" val="2425311057"/>
       </p:ext>
     </p:extLst>
   </p:cSld>
